--- a/diagram/qsvm_workflow.pptx
+++ b/diagram/qsvm_workflow.pptx
@@ -4364,7 +4364,7 @@
         </p:nvCxnSpPr>
         <p:spPr>
           <a:xfrm rot="16200000" flipV="1">
-            <a:off x="1876566" y="1594989"/>
+            <a:off x="2136213" y="1594989"/>
             <a:ext cx="1398739" cy="829551"/>
           </a:xfrm>
           <a:prstGeom prst="curvedConnector3">
@@ -4405,7 +4405,7 @@
         </p:nvSpPr>
         <p:spPr>
           <a:xfrm>
-            <a:off x="2281912" y="786491"/>
+            <a:off x="2314507" y="853133"/>
             <a:ext cx="933059" cy="369332"/>
           </a:xfrm>
           <a:prstGeom prst="rect">
@@ -4652,7 +4652,7 @@
         </p:nvCxnSpPr>
         <p:spPr>
           <a:xfrm rot="16200000" flipV="1">
-            <a:off x="2033360" y="1533903"/>
+            <a:off x="2293007" y="1533903"/>
             <a:ext cx="1398739" cy="829551"/>
           </a:xfrm>
           <a:prstGeom prst="curvedConnector3">
@@ -4695,7 +4695,7 @@
         </p:nvCxnSpPr>
         <p:spPr>
           <a:xfrm rot="16200000" flipV="1">
-            <a:off x="1709140" y="1701472"/>
+            <a:off x="1968787" y="1701472"/>
             <a:ext cx="1398739" cy="829551"/>
           </a:xfrm>
           <a:prstGeom prst="curvedConnector3">
@@ -4738,7 +4738,7 @@
         </p:nvCxnSpPr>
         <p:spPr>
           <a:xfrm rot="16200000" flipV="1">
-            <a:off x="2166286" y="1485058"/>
+            <a:off x="2425933" y="1485058"/>
             <a:ext cx="1398739" cy="829551"/>
           </a:xfrm>
           <a:prstGeom prst="curvedConnector3">
@@ -4781,7 +4781,7 @@
         </p:nvCxnSpPr>
         <p:spPr>
           <a:xfrm rot="16200000" flipV="1">
-            <a:off x="1250451" y="1908700"/>
+            <a:off x="1510098" y="1908700"/>
             <a:ext cx="1398739" cy="829551"/>
           </a:xfrm>
           <a:prstGeom prst="curvedConnector3">
@@ -4824,7 +4824,7 @@
         </p:nvCxnSpPr>
         <p:spPr>
           <a:xfrm rot="16200000" flipV="1">
-            <a:off x="1407245" y="1847614"/>
+            <a:off x="1666892" y="1847614"/>
             <a:ext cx="1398739" cy="829551"/>
           </a:xfrm>
           <a:prstGeom prst="curvedConnector3">
@@ -4867,7 +4867,7 @@
         </p:nvCxnSpPr>
         <p:spPr>
           <a:xfrm rot="16200000" flipV="1">
-            <a:off x="1083025" y="2015183"/>
+            <a:off x="1342672" y="2015183"/>
             <a:ext cx="1398739" cy="829551"/>
           </a:xfrm>
           <a:prstGeom prst="curvedConnector3">
@@ -4910,7 +4910,7 @@
         </p:nvCxnSpPr>
         <p:spPr>
           <a:xfrm rot="16200000" flipV="1">
-            <a:off x="1540171" y="1798769"/>
+            <a:off x="1799818" y="1798769"/>
             <a:ext cx="1398739" cy="829551"/>
           </a:xfrm>
           <a:prstGeom prst="curvedConnector3">
@@ -4951,7 +4951,7 @@
         </p:nvSpPr>
         <p:spPr>
           <a:xfrm>
-            <a:off x="2954498" y="1899833"/>
+            <a:off x="3214145" y="1899833"/>
             <a:ext cx="225778" cy="225778"/>
           </a:xfrm>
           <a:prstGeom prst="ellipse">
@@ -4997,7 +4997,7 @@
         </p:nvSpPr>
         <p:spPr>
           <a:xfrm>
-            <a:off x="1462858" y="2034758"/>
+            <a:off x="1722505" y="2034758"/>
             <a:ext cx="225778" cy="225778"/>
           </a:xfrm>
           <a:prstGeom prst="ellipse">
@@ -5043,7 +5043,7 @@
         </p:nvSpPr>
         <p:spPr>
           <a:xfrm>
-            <a:off x="2360325" y="1549335"/>
+            <a:off x="2619972" y="1549335"/>
             <a:ext cx="225778" cy="225778"/>
           </a:xfrm>
           <a:prstGeom prst="ellipse">
@@ -5089,7 +5089,7 @@
         </p:nvSpPr>
         <p:spPr>
           <a:xfrm>
-            <a:off x="2247436" y="2373425"/>
+            <a:off x="2507083" y="2373425"/>
             <a:ext cx="225778" cy="225778"/>
           </a:xfrm>
           <a:prstGeom prst="ellipse">
@@ -5223,7 +5223,7 @@
         </p:nvSpPr>
         <p:spPr>
           <a:xfrm>
-            <a:off x="2317954" y="3071751"/>
+            <a:off x="2317954" y="3128196"/>
             <a:ext cx="1116120" cy="369332"/>
           </a:xfrm>
           <a:prstGeom prst="rect">

--- a/diagram/qsvm_workflow.pptx
+++ b/diagram/qsvm_workflow.pptx
@@ -2,18 +2,18 @@
 <file path=ppt/presentation.xml><?xml version="1.0" encoding="utf-8"?>
 <p:presentation xmlns:a="http://schemas.openxmlformats.org/drawingml/2006/main" xmlns:r="http://schemas.openxmlformats.org/officeDocument/2006/relationships" xmlns:p="http://schemas.openxmlformats.org/presentationml/2006/main" saveSubsetFonts="1" autoCompressPictures="0">
   <p:sldMasterIdLst>
-    <p:sldMasterId id="2147483648" r:id="rId1"/>
+    <p:sldMasterId id="2147483660" r:id="rId1"/>
   </p:sldMasterIdLst>
   <p:sldIdLst>
     <p:sldId id="256" r:id="rId2"/>
   </p:sldIdLst>
-  <p:sldSz cx="12192000" cy="6858000"/>
+  <p:sldSz cx="7199313" cy="6858000"/>
   <p:notesSz cx="6858000" cy="9144000"/>
   <p:defaultTextStyle>
     <a:defPPr>
       <a:defRPr lang="en-US"/>
     </a:defPPr>
-    <a:lvl1pPr marL="0" algn="l" defTabSz="914400" rtl="0" eaLnBrk="1" latinLnBrk="0" hangingPunct="1">
+    <a:lvl1pPr marL="0" algn="l" defTabSz="457200" rtl="0" eaLnBrk="1" latinLnBrk="0" hangingPunct="1">
       <a:defRPr sz="1800" kern="1200">
         <a:solidFill>
           <a:schemeClr val="tx1"/>
@@ -23,7 +23,7 @@
         <a:cs typeface="+mn-cs"/>
       </a:defRPr>
     </a:lvl1pPr>
-    <a:lvl2pPr marL="457200" algn="l" defTabSz="914400" rtl="0" eaLnBrk="1" latinLnBrk="0" hangingPunct="1">
+    <a:lvl2pPr marL="457200" algn="l" defTabSz="457200" rtl="0" eaLnBrk="1" latinLnBrk="0" hangingPunct="1">
       <a:defRPr sz="1800" kern="1200">
         <a:solidFill>
           <a:schemeClr val="tx1"/>
@@ -33,7 +33,7 @@
         <a:cs typeface="+mn-cs"/>
       </a:defRPr>
     </a:lvl2pPr>
-    <a:lvl3pPr marL="914400" algn="l" defTabSz="914400" rtl="0" eaLnBrk="1" latinLnBrk="0" hangingPunct="1">
+    <a:lvl3pPr marL="914400" algn="l" defTabSz="457200" rtl="0" eaLnBrk="1" latinLnBrk="0" hangingPunct="1">
       <a:defRPr sz="1800" kern="1200">
         <a:solidFill>
           <a:schemeClr val="tx1"/>
@@ -43,7 +43,7 @@
         <a:cs typeface="+mn-cs"/>
       </a:defRPr>
     </a:lvl3pPr>
-    <a:lvl4pPr marL="1371600" algn="l" defTabSz="914400" rtl="0" eaLnBrk="1" latinLnBrk="0" hangingPunct="1">
+    <a:lvl4pPr marL="1371600" algn="l" defTabSz="457200" rtl="0" eaLnBrk="1" latinLnBrk="0" hangingPunct="1">
       <a:defRPr sz="1800" kern="1200">
         <a:solidFill>
           <a:schemeClr val="tx1"/>
@@ -53,7 +53,7 @@
         <a:cs typeface="+mn-cs"/>
       </a:defRPr>
     </a:lvl4pPr>
-    <a:lvl5pPr marL="1828800" algn="l" defTabSz="914400" rtl="0" eaLnBrk="1" latinLnBrk="0" hangingPunct="1">
+    <a:lvl5pPr marL="1828800" algn="l" defTabSz="457200" rtl="0" eaLnBrk="1" latinLnBrk="0" hangingPunct="1">
       <a:defRPr sz="1800" kern="1200">
         <a:solidFill>
           <a:schemeClr val="tx1"/>
@@ -63,7 +63,7 @@
         <a:cs typeface="+mn-cs"/>
       </a:defRPr>
     </a:lvl5pPr>
-    <a:lvl6pPr marL="2286000" algn="l" defTabSz="914400" rtl="0" eaLnBrk="1" latinLnBrk="0" hangingPunct="1">
+    <a:lvl6pPr marL="2286000" algn="l" defTabSz="457200" rtl="0" eaLnBrk="1" latinLnBrk="0" hangingPunct="1">
       <a:defRPr sz="1800" kern="1200">
         <a:solidFill>
           <a:schemeClr val="tx1"/>
@@ -73,7 +73,7 @@
         <a:cs typeface="+mn-cs"/>
       </a:defRPr>
     </a:lvl6pPr>
-    <a:lvl7pPr marL="2743200" algn="l" defTabSz="914400" rtl="0" eaLnBrk="1" latinLnBrk="0" hangingPunct="1">
+    <a:lvl7pPr marL="2743200" algn="l" defTabSz="457200" rtl="0" eaLnBrk="1" latinLnBrk="0" hangingPunct="1">
       <a:defRPr sz="1800" kern="1200">
         <a:solidFill>
           <a:schemeClr val="tx1"/>
@@ -83,7 +83,7 @@
         <a:cs typeface="+mn-cs"/>
       </a:defRPr>
     </a:lvl7pPr>
-    <a:lvl8pPr marL="3200400" algn="l" defTabSz="914400" rtl="0" eaLnBrk="1" latinLnBrk="0" hangingPunct="1">
+    <a:lvl8pPr marL="3200400" algn="l" defTabSz="457200" rtl="0" eaLnBrk="1" latinLnBrk="0" hangingPunct="1">
       <a:defRPr sz="1800" kern="1200">
         <a:solidFill>
           <a:schemeClr val="tx1"/>
@@ -93,7 +93,7 @@
         <a:cs typeface="+mn-cs"/>
       </a:defRPr>
     </a:lvl8pPr>
-    <a:lvl9pPr marL="3657600" algn="l" defTabSz="914400" rtl="0" eaLnBrk="1" latinLnBrk="0" hangingPunct="1">
+    <a:lvl9pPr marL="3657600" algn="l" defTabSz="457200" rtl="0" eaLnBrk="1" latinLnBrk="0" hangingPunct="1">
       <a:defRPr sz="1800" kern="1200">
         <a:solidFill>
           <a:schemeClr val="tx1"/>
@@ -188,19 +188,19 @@
                 <c:formatCode>General</c:formatCode>
                 <c:ptCount val="5"/>
                 <c:pt idx="0">
+                  <c:v>0.4</c:v>
+                </c:pt>
+                <c:pt idx="1">
+                  <c:v>0.15</c:v>
+                </c:pt>
+                <c:pt idx="2">
                   <c:v>0.1</c:v>
                 </c:pt>
-                <c:pt idx="1">
-                  <c:v>0.2</c:v>
-                </c:pt>
-                <c:pt idx="2">
-                  <c:v>0.4</c:v>
-                </c:pt>
                 <c:pt idx="3">
-                  <c:v>0.2</c:v>
+                  <c:v>0.1</c:v>
                 </c:pt>
                 <c:pt idx="4">
-                  <c:v>0.3</c:v>
+                  <c:v>0.25</c:v>
                 </c:pt>
               </c:numCache>
             </c:numRef>
@@ -937,13 +937,7 @@
       </p:grpSpPr>
       <p:sp>
         <p:nvSpPr>
-          <p:cNvPr id="2" name="Title 1">
-            <a:extLst>
-              <a:ext uri="{FF2B5EF4-FFF2-40B4-BE49-F238E27FC236}">
-                <a16:creationId xmlns:a16="http://schemas.microsoft.com/office/drawing/2014/main" id="{D9E8E72A-5EB3-6F5E-FCCE-093BD7D59555}"/>
-              </a:ext>
-            </a:extLst>
-          </p:cNvPr>
+          <p:cNvPr id="2" name="Title 1"/>
           <p:cNvSpPr>
             <a:spLocks noGrp="1"/>
           </p:cNvSpPr>
@@ -953,15 +947,15 @@
         </p:nvSpPr>
         <p:spPr>
           <a:xfrm>
-            <a:off x="1524000" y="1122363"/>
-            <a:ext cx="9144000" cy="2387600"/>
+            <a:off x="539949" y="1122363"/>
+            <a:ext cx="6119416" cy="2387600"/>
           </a:xfrm>
         </p:spPr>
         <p:txBody>
           <a:bodyPr anchor="b"/>
           <a:lstStyle>
             <a:lvl1pPr algn="ctr">
-              <a:defRPr sz="6000"/>
+              <a:defRPr sz="4724"/>
             </a:lvl1pPr>
           </a:lstStyle>
           <a:p>
@@ -969,19 +963,13 @@
               <a:rPr lang="en-GB"/>
               <a:t>Click to edit Master title style</a:t>
             </a:r>
-            <a:endParaRPr lang="en-US"/>
-          </a:p>
-        </p:txBody>
-      </p:sp>
-      <p:sp>
-        <p:nvSpPr>
-          <p:cNvPr id="3" name="Subtitle 2">
-            <a:extLst>
-              <a:ext uri="{FF2B5EF4-FFF2-40B4-BE49-F238E27FC236}">
-                <a16:creationId xmlns:a16="http://schemas.microsoft.com/office/drawing/2014/main" id="{C3880A5B-B31E-2D22-D2AA-29DF74A5EDD6}"/>
-              </a:ext>
-            </a:extLst>
-          </p:cNvPr>
+            <a:endParaRPr lang="en-US" dirty="0"/>
+          </a:p>
+        </p:txBody>
+      </p:sp>
+      <p:sp>
+        <p:nvSpPr>
+          <p:cNvPr id="3" name="Subtitle 2"/>
           <p:cNvSpPr>
             <a:spLocks noGrp="1"/>
           </p:cNvSpPr>
@@ -991,8 +979,8 @@
         </p:nvSpPr>
         <p:spPr>
           <a:xfrm>
-            <a:off x="1524000" y="3602038"/>
-            <a:ext cx="9144000" cy="1655762"/>
+            <a:off x="899914" y="3602038"/>
+            <a:ext cx="5399485" cy="1655762"/>
           </a:xfrm>
         </p:spPr>
         <p:txBody>
@@ -1000,39 +988,39 @@
           <a:lstStyle>
             <a:lvl1pPr marL="0" indent="0" algn="ctr">
               <a:buNone/>
-              <a:defRPr sz="2400"/>
+              <a:defRPr sz="1890"/>
             </a:lvl1pPr>
-            <a:lvl2pPr marL="457200" indent="0" algn="ctr">
-              <a:buNone/>
-              <a:defRPr sz="2000"/>
+            <a:lvl2pPr marL="359954" indent="0" algn="ctr">
+              <a:buNone/>
+              <a:defRPr sz="1575"/>
             </a:lvl2pPr>
-            <a:lvl3pPr marL="914400" indent="0" algn="ctr">
-              <a:buNone/>
-              <a:defRPr sz="1800"/>
+            <a:lvl3pPr marL="719907" indent="0" algn="ctr">
+              <a:buNone/>
+              <a:defRPr sz="1417"/>
             </a:lvl3pPr>
-            <a:lvl4pPr marL="1371600" indent="0" algn="ctr">
-              <a:buNone/>
-              <a:defRPr sz="1600"/>
+            <a:lvl4pPr marL="1079861" indent="0" algn="ctr">
+              <a:buNone/>
+              <a:defRPr sz="1260"/>
             </a:lvl4pPr>
-            <a:lvl5pPr marL="1828800" indent="0" algn="ctr">
-              <a:buNone/>
-              <a:defRPr sz="1600"/>
+            <a:lvl5pPr marL="1439814" indent="0" algn="ctr">
+              <a:buNone/>
+              <a:defRPr sz="1260"/>
             </a:lvl5pPr>
-            <a:lvl6pPr marL="2286000" indent="0" algn="ctr">
-              <a:buNone/>
-              <a:defRPr sz="1600"/>
+            <a:lvl6pPr marL="1799768" indent="0" algn="ctr">
+              <a:buNone/>
+              <a:defRPr sz="1260"/>
             </a:lvl6pPr>
-            <a:lvl7pPr marL="2743200" indent="0" algn="ctr">
-              <a:buNone/>
-              <a:defRPr sz="1600"/>
+            <a:lvl7pPr marL="2159721" indent="0" algn="ctr">
+              <a:buNone/>
+              <a:defRPr sz="1260"/>
             </a:lvl7pPr>
-            <a:lvl8pPr marL="3200400" indent="0" algn="ctr">
-              <a:buNone/>
-              <a:defRPr sz="1600"/>
+            <a:lvl8pPr marL="2519675" indent="0" algn="ctr">
+              <a:buNone/>
+              <a:defRPr sz="1260"/>
             </a:lvl8pPr>
-            <a:lvl9pPr marL="3657600" indent="0" algn="ctr">
-              <a:buNone/>
-              <a:defRPr sz="1600"/>
+            <a:lvl9pPr marL="2879628" indent="0" algn="ctr">
+              <a:buNone/>
+              <a:defRPr sz="1260"/>
             </a:lvl9pPr>
           </a:lstStyle>
           <a:p>
@@ -1040,19 +1028,13 @@
               <a:rPr lang="en-GB"/>
               <a:t>Click to edit Master subtitle style</a:t>
             </a:r>
-            <a:endParaRPr lang="en-US"/>
-          </a:p>
-        </p:txBody>
-      </p:sp>
-      <p:sp>
-        <p:nvSpPr>
-          <p:cNvPr id="4" name="Date Placeholder 3">
-            <a:extLst>
-              <a:ext uri="{FF2B5EF4-FFF2-40B4-BE49-F238E27FC236}">
-                <a16:creationId xmlns:a16="http://schemas.microsoft.com/office/drawing/2014/main" id="{2441661A-0B34-815D-B171-71992FB1CB8A}"/>
-              </a:ext>
-            </a:extLst>
-          </p:cNvPr>
+            <a:endParaRPr lang="en-US" dirty="0"/>
+          </a:p>
+        </p:txBody>
+      </p:sp>
+      <p:sp>
+        <p:nvSpPr>
+          <p:cNvPr id="4" name="Date Placeholder 3"/>
           <p:cNvSpPr>
             <a:spLocks noGrp="1"/>
           </p:cNvSpPr>
@@ -1067,7 +1049,7 @@
           <a:p>
             <a:fld id="{7E97486E-EFCC-6E4E-8429-F68F2452DBD2}" type="datetimeFigureOut">
               <a:rPr lang="en-US" smtClean="0"/>
-              <a:t>12/2/25</a:t>
+              <a:t>12/3/25</a:t>
             </a:fld>
             <a:endParaRPr lang="en-US"/>
           </a:p>
@@ -1075,13 +1057,7 @@
       </p:sp>
       <p:sp>
         <p:nvSpPr>
-          <p:cNvPr id="5" name="Footer Placeholder 4">
-            <a:extLst>
-              <a:ext uri="{FF2B5EF4-FFF2-40B4-BE49-F238E27FC236}">
-                <a16:creationId xmlns:a16="http://schemas.microsoft.com/office/drawing/2014/main" id="{35EF4454-6993-4F43-AFFC-1DCF5980C136}"/>
-              </a:ext>
-            </a:extLst>
-          </p:cNvPr>
+          <p:cNvPr id="5" name="Footer Placeholder 4"/>
           <p:cNvSpPr>
             <a:spLocks noGrp="1"/>
           </p:cNvSpPr>
@@ -1100,13 +1076,7 @@
       </p:sp>
       <p:sp>
         <p:nvSpPr>
-          <p:cNvPr id="6" name="Slide Number Placeholder 5">
-            <a:extLst>
-              <a:ext uri="{FF2B5EF4-FFF2-40B4-BE49-F238E27FC236}">
-                <a16:creationId xmlns:a16="http://schemas.microsoft.com/office/drawing/2014/main" id="{2CC46353-C782-1DEA-AE1A-226CAAE9A9A8}"/>
-              </a:ext>
-            </a:extLst>
-          </p:cNvPr>
+          <p:cNvPr id="6" name="Slide Number Placeholder 5"/>
           <p:cNvSpPr>
             <a:spLocks noGrp="1"/>
           </p:cNvSpPr>
@@ -1130,7 +1100,7 @@
     </p:spTree>
     <p:extLst>
       <p:ext uri="{BB962C8B-B14F-4D97-AF65-F5344CB8AC3E}">
-        <p14:creationId xmlns:p14="http://schemas.microsoft.com/office/powerpoint/2010/main" val="2705902809"/>
+        <p14:creationId xmlns:p14="http://schemas.microsoft.com/office/powerpoint/2010/main" val="3151143402"/>
       </p:ext>
     </p:extLst>
   </p:cSld>
@@ -1159,13 +1129,7 @@
       </p:grpSpPr>
       <p:sp>
         <p:nvSpPr>
-          <p:cNvPr id="2" name="Title 1">
-            <a:extLst>
-              <a:ext uri="{FF2B5EF4-FFF2-40B4-BE49-F238E27FC236}">
-                <a16:creationId xmlns:a16="http://schemas.microsoft.com/office/drawing/2014/main" id="{8E054A21-5CDD-94C3-841D-4BA1B425C47A}"/>
-              </a:ext>
-            </a:extLst>
-          </p:cNvPr>
+          <p:cNvPr id="2" name="Title 1"/>
           <p:cNvSpPr>
             <a:spLocks noGrp="1"/>
           </p:cNvSpPr>
@@ -1182,19 +1146,13 @@
               <a:rPr lang="en-GB"/>
               <a:t>Click to edit Master title style</a:t>
             </a:r>
-            <a:endParaRPr lang="en-US"/>
-          </a:p>
-        </p:txBody>
-      </p:sp>
-      <p:sp>
-        <p:nvSpPr>
-          <p:cNvPr id="3" name="Vertical Text Placeholder 2">
-            <a:extLst>
-              <a:ext uri="{FF2B5EF4-FFF2-40B4-BE49-F238E27FC236}">
-                <a16:creationId xmlns:a16="http://schemas.microsoft.com/office/drawing/2014/main" id="{F529BFA7-D324-9FBA-8C29-BE3DF208DFEC}"/>
-              </a:ext>
-            </a:extLst>
-          </p:cNvPr>
+            <a:endParaRPr lang="en-US" dirty="0"/>
+          </a:p>
+        </p:txBody>
+      </p:sp>
+      <p:sp>
+        <p:nvSpPr>
+          <p:cNvPr id="3" name="Vertical Text Placeholder 2"/>
           <p:cNvSpPr>
             <a:spLocks noGrp="1"/>
           </p:cNvSpPr>
@@ -1240,19 +1198,13 @@
               <a:rPr lang="en-GB"/>
               <a:t>Fifth level</a:t>
             </a:r>
-            <a:endParaRPr lang="en-US"/>
-          </a:p>
-        </p:txBody>
-      </p:sp>
-      <p:sp>
-        <p:nvSpPr>
-          <p:cNvPr id="4" name="Date Placeholder 3">
-            <a:extLst>
-              <a:ext uri="{FF2B5EF4-FFF2-40B4-BE49-F238E27FC236}">
-                <a16:creationId xmlns:a16="http://schemas.microsoft.com/office/drawing/2014/main" id="{F0FFFBEE-632D-706F-4AE3-B748182984A4}"/>
-              </a:ext>
-            </a:extLst>
-          </p:cNvPr>
+            <a:endParaRPr lang="en-US" dirty="0"/>
+          </a:p>
+        </p:txBody>
+      </p:sp>
+      <p:sp>
+        <p:nvSpPr>
+          <p:cNvPr id="4" name="Date Placeholder 3"/>
           <p:cNvSpPr>
             <a:spLocks noGrp="1"/>
           </p:cNvSpPr>
@@ -1267,7 +1219,7 @@
           <a:p>
             <a:fld id="{7E97486E-EFCC-6E4E-8429-F68F2452DBD2}" type="datetimeFigureOut">
               <a:rPr lang="en-US" smtClean="0"/>
-              <a:t>12/2/25</a:t>
+              <a:t>12/3/25</a:t>
             </a:fld>
             <a:endParaRPr lang="en-US"/>
           </a:p>
@@ -1275,13 +1227,7 @@
       </p:sp>
       <p:sp>
         <p:nvSpPr>
-          <p:cNvPr id="5" name="Footer Placeholder 4">
-            <a:extLst>
-              <a:ext uri="{FF2B5EF4-FFF2-40B4-BE49-F238E27FC236}">
-                <a16:creationId xmlns:a16="http://schemas.microsoft.com/office/drawing/2014/main" id="{1D6BAF88-6545-91A9-A00A-EF65452E5498}"/>
-              </a:ext>
-            </a:extLst>
-          </p:cNvPr>
+          <p:cNvPr id="5" name="Footer Placeholder 4"/>
           <p:cNvSpPr>
             <a:spLocks noGrp="1"/>
           </p:cNvSpPr>
@@ -1300,13 +1246,7 @@
       </p:sp>
       <p:sp>
         <p:nvSpPr>
-          <p:cNvPr id="6" name="Slide Number Placeholder 5">
-            <a:extLst>
-              <a:ext uri="{FF2B5EF4-FFF2-40B4-BE49-F238E27FC236}">
-                <a16:creationId xmlns:a16="http://schemas.microsoft.com/office/drawing/2014/main" id="{EA9B28C0-DA49-1C28-DBD0-E318E43B48E3}"/>
-              </a:ext>
-            </a:extLst>
-          </p:cNvPr>
+          <p:cNvPr id="6" name="Slide Number Placeholder 5"/>
           <p:cNvSpPr>
             <a:spLocks noGrp="1"/>
           </p:cNvSpPr>
@@ -1330,7 +1270,7 @@
     </p:spTree>
     <p:extLst>
       <p:ext uri="{BB962C8B-B14F-4D97-AF65-F5344CB8AC3E}">
-        <p14:creationId xmlns:p14="http://schemas.microsoft.com/office/powerpoint/2010/main" val="3860804015"/>
+        <p14:creationId xmlns:p14="http://schemas.microsoft.com/office/powerpoint/2010/main" val="3441385338"/>
       </p:ext>
     </p:extLst>
   </p:cSld>
@@ -1359,13 +1299,7 @@
       </p:grpSpPr>
       <p:sp>
         <p:nvSpPr>
-          <p:cNvPr id="2" name="Vertical Title 1">
-            <a:extLst>
-              <a:ext uri="{FF2B5EF4-FFF2-40B4-BE49-F238E27FC236}">
-                <a16:creationId xmlns:a16="http://schemas.microsoft.com/office/drawing/2014/main" id="{5015FA49-0ECB-1688-49CF-73654A47593F}"/>
-              </a:ext>
-            </a:extLst>
-          </p:cNvPr>
+          <p:cNvPr id="2" name="Vertical Title 1"/>
           <p:cNvSpPr>
             <a:spLocks noGrp="1"/>
           </p:cNvSpPr>
@@ -1375,8 +1309,8 @@
         </p:nvSpPr>
         <p:spPr>
           <a:xfrm>
-            <a:off x="8724900" y="365125"/>
-            <a:ext cx="2628900" cy="5811838"/>
+            <a:off x="5152009" y="365125"/>
+            <a:ext cx="1552352" cy="5811838"/>
           </a:xfrm>
         </p:spPr>
         <p:txBody>
@@ -1387,19 +1321,13 @@
               <a:rPr lang="en-GB"/>
               <a:t>Click to edit Master title style</a:t>
             </a:r>
-            <a:endParaRPr lang="en-US"/>
-          </a:p>
-        </p:txBody>
-      </p:sp>
-      <p:sp>
-        <p:nvSpPr>
-          <p:cNvPr id="3" name="Vertical Text Placeholder 2">
-            <a:extLst>
-              <a:ext uri="{FF2B5EF4-FFF2-40B4-BE49-F238E27FC236}">
-                <a16:creationId xmlns:a16="http://schemas.microsoft.com/office/drawing/2014/main" id="{639C0506-2068-6EE6-4BFB-8CC5A61CA641}"/>
-              </a:ext>
-            </a:extLst>
-          </p:cNvPr>
+            <a:endParaRPr lang="en-US" dirty="0"/>
+          </a:p>
+        </p:txBody>
+      </p:sp>
+      <p:sp>
+        <p:nvSpPr>
+          <p:cNvPr id="3" name="Vertical Text Placeholder 2"/>
           <p:cNvSpPr>
             <a:spLocks noGrp="1"/>
           </p:cNvSpPr>
@@ -1409,8 +1337,8 @@
         </p:nvSpPr>
         <p:spPr>
           <a:xfrm>
-            <a:off x="838200" y="365125"/>
-            <a:ext cx="7734300" cy="5811838"/>
+            <a:off x="494953" y="365125"/>
+            <a:ext cx="4567064" cy="5811838"/>
           </a:xfrm>
         </p:spPr>
         <p:txBody>
@@ -1450,19 +1378,13 @@
               <a:rPr lang="en-GB"/>
               <a:t>Fifth level</a:t>
             </a:r>
-            <a:endParaRPr lang="en-US"/>
-          </a:p>
-        </p:txBody>
-      </p:sp>
-      <p:sp>
-        <p:nvSpPr>
-          <p:cNvPr id="4" name="Date Placeholder 3">
-            <a:extLst>
-              <a:ext uri="{FF2B5EF4-FFF2-40B4-BE49-F238E27FC236}">
-                <a16:creationId xmlns:a16="http://schemas.microsoft.com/office/drawing/2014/main" id="{42E1EE0F-CB12-05F6-FAF5-38A0CE13DE06}"/>
-              </a:ext>
-            </a:extLst>
-          </p:cNvPr>
+            <a:endParaRPr lang="en-US" dirty="0"/>
+          </a:p>
+        </p:txBody>
+      </p:sp>
+      <p:sp>
+        <p:nvSpPr>
+          <p:cNvPr id="4" name="Date Placeholder 3"/>
           <p:cNvSpPr>
             <a:spLocks noGrp="1"/>
           </p:cNvSpPr>
@@ -1477,7 +1399,7 @@
           <a:p>
             <a:fld id="{7E97486E-EFCC-6E4E-8429-F68F2452DBD2}" type="datetimeFigureOut">
               <a:rPr lang="en-US" smtClean="0"/>
-              <a:t>12/2/25</a:t>
+              <a:t>12/3/25</a:t>
             </a:fld>
             <a:endParaRPr lang="en-US"/>
           </a:p>
@@ -1485,13 +1407,7 @@
       </p:sp>
       <p:sp>
         <p:nvSpPr>
-          <p:cNvPr id="5" name="Footer Placeholder 4">
-            <a:extLst>
-              <a:ext uri="{FF2B5EF4-FFF2-40B4-BE49-F238E27FC236}">
-                <a16:creationId xmlns:a16="http://schemas.microsoft.com/office/drawing/2014/main" id="{883B332D-B5FB-ED02-E205-C8ADD000BA6D}"/>
-              </a:ext>
-            </a:extLst>
-          </p:cNvPr>
+          <p:cNvPr id="5" name="Footer Placeholder 4"/>
           <p:cNvSpPr>
             <a:spLocks noGrp="1"/>
           </p:cNvSpPr>
@@ -1510,13 +1426,7 @@
       </p:sp>
       <p:sp>
         <p:nvSpPr>
-          <p:cNvPr id="6" name="Slide Number Placeholder 5">
-            <a:extLst>
-              <a:ext uri="{FF2B5EF4-FFF2-40B4-BE49-F238E27FC236}">
-                <a16:creationId xmlns:a16="http://schemas.microsoft.com/office/drawing/2014/main" id="{D30FFBB6-72AB-7A2B-A2ED-67A40CAA9F07}"/>
-              </a:ext>
-            </a:extLst>
-          </p:cNvPr>
+          <p:cNvPr id="6" name="Slide Number Placeholder 5"/>
           <p:cNvSpPr>
             <a:spLocks noGrp="1"/>
           </p:cNvSpPr>
@@ -1540,7 +1450,7 @@
     </p:spTree>
     <p:extLst>
       <p:ext uri="{BB962C8B-B14F-4D97-AF65-F5344CB8AC3E}">
-        <p14:creationId xmlns:p14="http://schemas.microsoft.com/office/powerpoint/2010/main" val="3764692349"/>
+        <p14:creationId xmlns:p14="http://schemas.microsoft.com/office/powerpoint/2010/main" val="2712713043"/>
       </p:ext>
     </p:extLst>
   </p:cSld>
@@ -1569,13 +1479,7 @@
       </p:grpSpPr>
       <p:sp>
         <p:nvSpPr>
-          <p:cNvPr id="2" name="Title 1">
-            <a:extLst>
-              <a:ext uri="{FF2B5EF4-FFF2-40B4-BE49-F238E27FC236}">
-                <a16:creationId xmlns:a16="http://schemas.microsoft.com/office/drawing/2014/main" id="{F6B70C32-9531-6403-F33F-95CC1B52E475}"/>
-              </a:ext>
-            </a:extLst>
-          </p:cNvPr>
+          <p:cNvPr id="2" name="Title 1"/>
           <p:cNvSpPr>
             <a:spLocks noGrp="1"/>
           </p:cNvSpPr>
@@ -1592,19 +1496,13 @@
               <a:rPr lang="en-GB"/>
               <a:t>Click to edit Master title style</a:t>
             </a:r>
-            <a:endParaRPr lang="en-US"/>
-          </a:p>
-        </p:txBody>
-      </p:sp>
-      <p:sp>
-        <p:nvSpPr>
-          <p:cNvPr id="3" name="Content Placeholder 2">
-            <a:extLst>
-              <a:ext uri="{FF2B5EF4-FFF2-40B4-BE49-F238E27FC236}">
-                <a16:creationId xmlns:a16="http://schemas.microsoft.com/office/drawing/2014/main" id="{7CE2CBD7-8E7A-7B77-CA32-F547DBE99026}"/>
-              </a:ext>
-            </a:extLst>
-          </p:cNvPr>
+            <a:endParaRPr lang="en-US" dirty="0"/>
+          </a:p>
+        </p:txBody>
+      </p:sp>
+      <p:sp>
+        <p:nvSpPr>
+          <p:cNvPr id="3" name="Content Placeholder 2"/>
           <p:cNvSpPr>
             <a:spLocks noGrp="1"/>
           </p:cNvSpPr>
@@ -1650,19 +1548,13 @@
               <a:rPr lang="en-GB"/>
               <a:t>Fifth level</a:t>
             </a:r>
-            <a:endParaRPr lang="en-US"/>
-          </a:p>
-        </p:txBody>
-      </p:sp>
-      <p:sp>
-        <p:nvSpPr>
-          <p:cNvPr id="4" name="Date Placeholder 3">
-            <a:extLst>
-              <a:ext uri="{FF2B5EF4-FFF2-40B4-BE49-F238E27FC236}">
-                <a16:creationId xmlns:a16="http://schemas.microsoft.com/office/drawing/2014/main" id="{FDC31FBB-1112-0953-8AA3-E1A6AD9A760D}"/>
-              </a:ext>
-            </a:extLst>
-          </p:cNvPr>
+            <a:endParaRPr lang="en-US" dirty="0"/>
+          </a:p>
+        </p:txBody>
+      </p:sp>
+      <p:sp>
+        <p:nvSpPr>
+          <p:cNvPr id="4" name="Date Placeholder 3"/>
           <p:cNvSpPr>
             <a:spLocks noGrp="1"/>
           </p:cNvSpPr>
@@ -1677,7 +1569,7 @@
           <a:p>
             <a:fld id="{7E97486E-EFCC-6E4E-8429-F68F2452DBD2}" type="datetimeFigureOut">
               <a:rPr lang="en-US" smtClean="0"/>
-              <a:t>12/2/25</a:t>
+              <a:t>12/3/25</a:t>
             </a:fld>
             <a:endParaRPr lang="en-US"/>
           </a:p>
@@ -1685,13 +1577,7 @@
       </p:sp>
       <p:sp>
         <p:nvSpPr>
-          <p:cNvPr id="5" name="Footer Placeholder 4">
-            <a:extLst>
-              <a:ext uri="{FF2B5EF4-FFF2-40B4-BE49-F238E27FC236}">
-                <a16:creationId xmlns:a16="http://schemas.microsoft.com/office/drawing/2014/main" id="{893A3DF9-1969-22F2-8850-80B94FA8339C}"/>
-              </a:ext>
-            </a:extLst>
-          </p:cNvPr>
+          <p:cNvPr id="5" name="Footer Placeholder 4"/>
           <p:cNvSpPr>
             <a:spLocks noGrp="1"/>
           </p:cNvSpPr>
@@ -1710,13 +1596,7 @@
       </p:sp>
       <p:sp>
         <p:nvSpPr>
-          <p:cNvPr id="6" name="Slide Number Placeholder 5">
-            <a:extLst>
-              <a:ext uri="{FF2B5EF4-FFF2-40B4-BE49-F238E27FC236}">
-                <a16:creationId xmlns:a16="http://schemas.microsoft.com/office/drawing/2014/main" id="{133855F7-F18A-0ABB-EEEB-AF03E2039ADF}"/>
-              </a:ext>
-            </a:extLst>
-          </p:cNvPr>
+          <p:cNvPr id="6" name="Slide Number Placeholder 5"/>
           <p:cNvSpPr>
             <a:spLocks noGrp="1"/>
           </p:cNvSpPr>
@@ -1740,7 +1620,7 @@
     </p:spTree>
     <p:extLst>
       <p:ext uri="{BB962C8B-B14F-4D97-AF65-F5344CB8AC3E}">
-        <p14:creationId xmlns:p14="http://schemas.microsoft.com/office/powerpoint/2010/main" val="3909840905"/>
+        <p14:creationId xmlns:p14="http://schemas.microsoft.com/office/powerpoint/2010/main" val="2586906942"/>
       </p:ext>
     </p:extLst>
   </p:cSld>
@@ -1769,13 +1649,7 @@
       </p:grpSpPr>
       <p:sp>
         <p:nvSpPr>
-          <p:cNvPr id="2" name="Title 1">
-            <a:extLst>
-              <a:ext uri="{FF2B5EF4-FFF2-40B4-BE49-F238E27FC236}">
-                <a16:creationId xmlns:a16="http://schemas.microsoft.com/office/drawing/2014/main" id="{718BDF20-3D09-4952-01F4-54F9E9B1EF04}"/>
-              </a:ext>
-            </a:extLst>
-          </p:cNvPr>
+          <p:cNvPr id="2" name="Title 1"/>
           <p:cNvSpPr>
             <a:spLocks noGrp="1"/>
           </p:cNvSpPr>
@@ -1785,15 +1659,15 @@
         </p:nvSpPr>
         <p:spPr>
           <a:xfrm>
-            <a:off x="831850" y="1709738"/>
-            <a:ext cx="10515600" cy="2852737"/>
+            <a:off x="491204" y="1709740"/>
+            <a:ext cx="6209407" cy="2852737"/>
           </a:xfrm>
         </p:spPr>
         <p:txBody>
           <a:bodyPr anchor="b"/>
           <a:lstStyle>
             <a:lvl1pPr>
-              <a:defRPr sz="6000"/>
+              <a:defRPr sz="4724"/>
             </a:lvl1pPr>
           </a:lstStyle>
           <a:p>
@@ -1801,19 +1675,13 @@
               <a:rPr lang="en-GB"/>
               <a:t>Click to edit Master title style</a:t>
             </a:r>
-            <a:endParaRPr lang="en-US"/>
-          </a:p>
-        </p:txBody>
-      </p:sp>
-      <p:sp>
-        <p:nvSpPr>
-          <p:cNvPr id="3" name="Text Placeholder 2">
-            <a:extLst>
-              <a:ext uri="{FF2B5EF4-FFF2-40B4-BE49-F238E27FC236}">
-                <a16:creationId xmlns:a16="http://schemas.microsoft.com/office/drawing/2014/main" id="{D05C43AA-917E-0085-ED75-9806C08C8A68}"/>
-              </a:ext>
-            </a:extLst>
-          </p:cNvPr>
+            <a:endParaRPr lang="en-US" dirty="0"/>
+          </a:p>
+        </p:txBody>
+      </p:sp>
+      <p:sp>
+        <p:nvSpPr>
+          <p:cNvPr id="3" name="Text Placeholder 2"/>
           <p:cNvSpPr>
             <a:spLocks noGrp="1"/>
           </p:cNvSpPr>
@@ -1823,8 +1691,8 @@
         </p:nvSpPr>
         <p:spPr>
           <a:xfrm>
-            <a:off x="831850" y="4589463"/>
-            <a:ext cx="10515600" cy="1500187"/>
+            <a:off x="491204" y="4589465"/>
+            <a:ext cx="6209407" cy="1500187"/>
           </a:xfrm>
         </p:spPr>
         <p:txBody>
@@ -1832,7 +1700,7 @@
           <a:lstStyle>
             <a:lvl1pPr marL="0" indent="0">
               <a:buNone/>
-              <a:defRPr sz="2400">
+              <a:defRPr sz="1890">
                 <a:solidFill>
                   <a:schemeClr val="tx1">
                     <a:tint val="82000"/>
@@ -1840,9 +1708,9 @@
                 </a:solidFill>
               </a:defRPr>
             </a:lvl1pPr>
-            <a:lvl2pPr marL="457200" indent="0">
-              <a:buNone/>
-              <a:defRPr sz="2000">
+            <a:lvl2pPr marL="359954" indent="0">
+              <a:buNone/>
+              <a:defRPr sz="1575">
                 <a:solidFill>
                   <a:schemeClr val="tx1">
                     <a:tint val="82000"/>
@@ -1850,9 +1718,9 @@
                 </a:solidFill>
               </a:defRPr>
             </a:lvl2pPr>
-            <a:lvl3pPr marL="914400" indent="0">
-              <a:buNone/>
-              <a:defRPr sz="1800">
+            <a:lvl3pPr marL="719907" indent="0">
+              <a:buNone/>
+              <a:defRPr sz="1417">
                 <a:solidFill>
                   <a:schemeClr val="tx1">
                     <a:tint val="82000"/>
@@ -1860,9 +1728,9 @@
                 </a:solidFill>
               </a:defRPr>
             </a:lvl3pPr>
-            <a:lvl4pPr marL="1371600" indent="0">
-              <a:buNone/>
-              <a:defRPr sz="1600">
+            <a:lvl4pPr marL="1079861" indent="0">
+              <a:buNone/>
+              <a:defRPr sz="1260">
                 <a:solidFill>
                   <a:schemeClr val="tx1">
                     <a:tint val="82000"/>
@@ -1870,9 +1738,9 @@
                 </a:solidFill>
               </a:defRPr>
             </a:lvl4pPr>
-            <a:lvl5pPr marL="1828800" indent="0">
-              <a:buNone/>
-              <a:defRPr sz="1600">
+            <a:lvl5pPr marL="1439814" indent="0">
+              <a:buNone/>
+              <a:defRPr sz="1260">
                 <a:solidFill>
                   <a:schemeClr val="tx1">
                     <a:tint val="82000"/>
@@ -1880,9 +1748,9 @@
                 </a:solidFill>
               </a:defRPr>
             </a:lvl5pPr>
-            <a:lvl6pPr marL="2286000" indent="0">
-              <a:buNone/>
-              <a:defRPr sz="1600">
+            <a:lvl6pPr marL="1799768" indent="0">
+              <a:buNone/>
+              <a:defRPr sz="1260">
                 <a:solidFill>
                   <a:schemeClr val="tx1">
                     <a:tint val="82000"/>
@@ -1890,9 +1758,9 @@
                 </a:solidFill>
               </a:defRPr>
             </a:lvl6pPr>
-            <a:lvl7pPr marL="2743200" indent="0">
-              <a:buNone/>
-              <a:defRPr sz="1600">
+            <a:lvl7pPr marL="2159721" indent="0">
+              <a:buNone/>
+              <a:defRPr sz="1260">
                 <a:solidFill>
                   <a:schemeClr val="tx1">
                     <a:tint val="82000"/>
@@ -1900,9 +1768,9 @@
                 </a:solidFill>
               </a:defRPr>
             </a:lvl7pPr>
-            <a:lvl8pPr marL="3200400" indent="0">
-              <a:buNone/>
-              <a:defRPr sz="1600">
+            <a:lvl8pPr marL="2519675" indent="0">
+              <a:buNone/>
+              <a:defRPr sz="1260">
                 <a:solidFill>
                   <a:schemeClr val="tx1">
                     <a:tint val="82000"/>
@@ -1910,9 +1778,9 @@
                 </a:solidFill>
               </a:defRPr>
             </a:lvl8pPr>
-            <a:lvl9pPr marL="3657600" indent="0">
-              <a:buNone/>
-              <a:defRPr sz="1600">
+            <a:lvl9pPr marL="2879628" indent="0">
+              <a:buNone/>
+              <a:defRPr sz="1260">
                 <a:solidFill>
                   <a:schemeClr val="tx1">
                     <a:tint val="82000"/>
@@ -1932,13 +1800,7 @@
       </p:sp>
       <p:sp>
         <p:nvSpPr>
-          <p:cNvPr id="4" name="Date Placeholder 3">
-            <a:extLst>
-              <a:ext uri="{FF2B5EF4-FFF2-40B4-BE49-F238E27FC236}">
-                <a16:creationId xmlns:a16="http://schemas.microsoft.com/office/drawing/2014/main" id="{0D01F61F-80DA-2A4F-402E-87CB069CF11F}"/>
-              </a:ext>
-            </a:extLst>
-          </p:cNvPr>
+          <p:cNvPr id="4" name="Date Placeholder 3"/>
           <p:cNvSpPr>
             <a:spLocks noGrp="1"/>
           </p:cNvSpPr>
@@ -1953,7 +1815,7 @@
           <a:p>
             <a:fld id="{7E97486E-EFCC-6E4E-8429-F68F2452DBD2}" type="datetimeFigureOut">
               <a:rPr lang="en-US" smtClean="0"/>
-              <a:t>12/2/25</a:t>
+              <a:t>12/3/25</a:t>
             </a:fld>
             <a:endParaRPr lang="en-US"/>
           </a:p>
@@ -1961,13 +1823,7 @@
       </p:sp>
       <p:sp>
         <p:nvSpPr>
-          <p:cNvPr id="5" name="Footer Placeholder 4">
-            <a:extLst>
-              <a:ext uri="{FF2B5EF4-FFF2-40B4-BE49-F238E27FC236}">
-                <a16:creationId xmlns:a16="http://schemas.microsoft.com/office/drawing/2014/main" id="{D7AE0F0B-7F85-48A6-21C4-993E317A67A7}"/>
-              </a:ext>
-            </a:extLst>
-          </p:cNvPr>
+          <p:cNvPr id="5" name="Footer Placeholder 4"/>
           <p:cNvSpPr>
             <a:spLocks noGrp="1"/>
           </p:cNvSpPr>
@@ -1986,13 +1842,7 @@
       </p:sp>
       <p:sp>
         <p:nvSpPr>
-          <p:cNvPr id="6" name="Slide Number Placeholder 5">
-            <a:extLst>
-              <a:ext uri="{FF2B5EF4-FFF2-40B4-BE49-F238E27FC236}">
-                <a16:creationId xmlns:a16="http://schemas.microsoft.com/office/drawing/2014/main" id="{6E33442B-649F-A2FA-C061-24EFE8FD0D6B}"/>
-              </a:ext>
-            </a:extLst>
-          </p:cNvPr>
+          <p:cNvPr id="6" name="Slide Number Placeholder 5"/>
           <p:cNvSpPr>
             <a:spLocks noGrp="1"/>
           </p:cNvSpPr>
@@ -2016,7 +1866,7 @@
     </p:spTree>
     <p:extLst>
       <p:ext uri="{BB962C8B-B14F-4D97-AF65-F5344CB8AC3E}">
-        <p14:creationId xmlns:p14="http://schemas.microsoft.com/office/powerpoint/2010/main" val="3241869961"/>
+        <p14:creationId xmlns:p14="http://schemas.microsoft.com/office/powerpoint/2010/main" val="113481199"/>
       </p:ext>
     </p:extLst>
   </p:cSld>
@@ -2045,13 +1895,7 @@
       </p:grpSpPr>
       <p:sp>
         <p:nvSpPr>
-          <p:cNvPr id="2" name="Title 1">
-            <a:extLst>
-              <a:ext uri="{FF2B5EF4-FFF2-40B4-BE49-F238E27FC236}">
-                <a16:creationId xmlns:a16="http://schemas.microsoft.com/office/drawing/2014/main" id="{69B656A3-52F7-747E-A86C-9C16D88E8A58}"/>
-              </a:ext>
-            </a:extLst>
-          </p:cNvPr>
+          <p:cNvPr id="2" name="Title 1"/>
           <p:cNvSpPr>
             <a:spLocks noGrp="1"/>
           </p:cNvSpPr>
@@ -2068,19 +1912,13 @@
               <a:rPr lang="en-GB"/>
               <a:t>Click to edit Master title style</a:t>
             </a:r>
-            <a:endParaRPr lang="en-US"/>
-          </a:p>
-        </p:txBody>
-      </p:sp>
-      <p:sp>
-        <p:nvSpPr>
-          <p:cNvPr id="3" name="Content Placeholder 2">
-            <a:extLst>
-              <a:ext uri="{FF2B5EF4-FFF2-40B4-BE49-F238E27FC236}">
-                <a16:creationId xmlns:a16="http://schemas.microsoft.com/office/drawing/2014/main" id="{5190FA0B-211A-55B9-BF51-8E2C030DA6D1}"/>
-              </a:ext>
-            </a:extLst>
-          </p:cNvPr>
+            <a:endParaRPr lang="en-US" dirty="0"/>
+          </a:p>
+        </p:txBody>
+      </p:sp>
+      <p:sp>
+        <p:nvSpPr>
+          <p:cNvPr id="3" name="Content Placeholder 2"/>
           <p:cNvSpPr>
             <a:spLocks noGrp="1"/>
           </p:cNvSpPr>
@@ -2090,8 +1928,8 @@
         </p:nvSpPr>
         <p:spPr>
           <a:xfrm>
-            <a:off x="838200" y="1825625"/>
-            <a:ext cx="5181600" cy="4351338"/>
+            <a:off x="494953" y="1825625"/>
+            <a:ext cx="3059708" cy="4351338"/>
           </a:xfrm>
         </p:spPr>
         <p:txBody>
@@ -2131,19 +1969,13 @@
               <a:rPr lang="en-GB"/>
               <a:t>Fifth level</a:t>
             </a:r>
-            <a:endParaRPr lang="en-US"/>
-          </a:p>
-        </p:txBody>
-      </p:sp>
-      <p:sp>
-        <p:nvSpPr>
-          <p:cNvPr id="4" name="Content Placeholder 3">
-            <a:extLst>
-              <a:ext uri="{FF2B5EF4-FFF2-40B4-BE49-F238E27FC236}">
-                <a16:creationId xmlns:a16="http://schemas.microsoft.com/office/drawing/2014/main" id="{86E90B55-7DB8-2A02-1F6F-A9CB1C303C50}"/>
-              </a:ext>
-            </a:extLst>
-          </p:cNvPr>
+            <a:endParaRPr lang="en-US" dirty="0"/>
+          </a:p>
+        </p:txBody>
+      </p:sp>
+      <p:sp>
+        <p:nvSpPr>
+          <p:cNvPr id="4" name="Content Placeholder 3"/>
           <p:cNvSpPr>
             <a:spLocks noGrp="1"/>
           </p:cNvSpPr>
@@ -2153,8 +1985,8 @@
         </p:nvSpPr>
         <p:spPr>
           <a:xfrm>
-            <a:off x="6172200" y="1825625"/>
-            <a:ext cx="5181600" cy="4351338"/>
+            <a:off x="3644652" y="1825625"/>
+            <a:ext cx="3059708" cy="4351338"/>
           </a:xfrm>
         </p:spPr>
         <p:txBody>
@@ -2194,19 +2026,13 @@
               <a:rPr lang="en-GB"/>
               <a:t>Fifth level</a:t>
             </a:r>
-            <a:endParaRPr lang="en-US"/>
-          </a:p>
-        </p:txBody>
-      </p:sp>
-      <p:sp>
-        <p:nvSpPr>
-          <p:cNvPr id="5" name="Date Placeholder 4">
-            <a:extLst>
-              <a:ext uri="{FF2B5EF4-FFF2-40B4-BE49-F238E27FC236}">
-                <a16:creationId xmlns:a16="http://schemas.microsoft.com/office/drawing/2014/main" id="{4A9D9C3B-67C8-7567-409A-52D1D76744BD}"/>
-              </a:ext>
-            </a:extLst>
-          </p:cNvPr>
+            <a:endParaRPr lang="en-US" dirty="0"/>
+          </a:p>
+        </p:txBody>
+      </p:sp>
+      <p:sp>
+        <p:nvSpPr>
+          <p:cNvPr id="5" name="Date Placeholder 4"/>
           <p:cNvSpPr>
             <a:spLocks noGrp="1"/>
           </p:cNvSpPr>
@@ -2221,7 +2047,7 @@
           <a:p>
             <a:fld id="{7E97486E-EFCC-6E4E-8429-F68F2452DBD2}" type="datetimeFigureOut">
               <a:rPr lang="en-US" smtClean="0"/>
-              <a:t>12/2/25</a:t>
+              <a:t>12/3/25</a:t>
             </a:fld>
             <a:endParaRPr lang="en-US"/>
           </a:p>
@@ -2229,13 +2055,7 @@
       </p:sp>
       <p:sp>
         <p:nvSpPr>
-          <p:cNvPr id="6" name="Footer Placeholder 5">
-            <a:extLst>
-              <a:ext uri="{FF2B5EF4-FFF2-40B4-BE49-F238E27FC236}">
-                <a16:creationId xmlns:a16="http://schemas.microsoft.com/office/drawing/2014/main" id="{EC1CCFF1-AC26-6195-0C30-87AB5554F616}"/>
-              </a:ext>
-            </a:extLst>
-          </p:cNvPr>
+          <p:cNvPr id="6" name="Footer Placeholder 5"/>
           <p:cNvSpPr>
             <a:spLocks noGrp="1"/>
           </p:cNvSpPr>
@@ -2254,13 +2074,7 @@
       </p:sp>
       <p:sp>
         <p:nvSpPr>
-          <p:cNvPr id="7" name="Slide Number Placeholder 6">
-            <a:extLst>
-              <a:ext uri="{FF2B5EF4-FFF2-40B4-BE49-F238E27FC236}">
-                <a16:creationId xmlns:a16="http://schemas.microsoft.com/office/drawing/2014/main" id="{454B04FC-70CE-92CD-4ED7-7DB7330A8051}"/>
-              </a:ext>
-            </a:extLst>
-          </p:cNvPr>
+          <p:cNvPr id="7" name="Slide Number Placeholder 6"/>
           <p:cNvSpPr>
             <a:spLocks noGrp="1"/>
           </p:cNvSpPr>
@@ -2284,7 +2098,7 @@
     </p:spTree>
     <p:extLst>
       <p:ext uri="{BB962C8B-B14F-4D97-AF65-F5344CB8AC3E}">
-        <p14:creationId xmlns:p14="http://schemas.microsoft.com/office/powerpoint/2010/main" val="485207305"/>
+        <p14:creationId xmlns:p14="http://schemas.microsoft.com/office/powerpoint/2010/main" val="71165987"/>
       </p:ext>
     </p:extLst>
   </p:cSld>
@@ -2313,13 +2127,7 @@
       </p:grpSpPr>
       <p:sp>
         <p:nvSpPr>
-          <p:cNvPr id="2" name="Title 1">
-            <a:extLst>
-              <a:ext uri="{FF2B5EF4-FFF2-40B4-BE49-F238E27FC236}">
-                <a16:creationId xmlns:a16="http://schemas.microsoft.com/office/drawing/2014/main" id="{B1B93121-3D3B-9FC9-8EED-576051B5A463}"/>
-              </a:ext>
-            </a:extLst>
-          </p:cNvPr>
+          <p:cNvPr id="2" name="Title 1"/>
           <p:cNvSpPr>
             <a:spLocks noGrp="1"/>
           </p:cNvSpPr>
@@ -2329,8 +2137,8 @@
         </p:nvSpPr>
         <p:spPr>
           <a:xfrm>
-            <a:off x="839788" y="365125"/>
-            <a:ext cx="10515600" cy="1325563"/>
+            <a:off x="495891" y="365126"/>
+            <a:ext cx="6209407" cy="1325563"/>
           </a:xfrm>
         </p:spPr>
         <p:txBody>
@@ -2341,19 +2149,13 @@
               <a:rPr lang="en-GB"/>
               <a:t>Click to edit Master title style</a:t>
             </a:r>
-            <a:endParaRPr lang="en-US"/>
-          </a:p>
-        </p:txBody>
-      </p:sp>
-      <p:sp>
-        <p:nvSpPr>
-          <p:cNvPr id="3" name="Text Placeholder 2">
-            <a:extLst>
-              <a:ext uri="{FF2B5EF4-FFF2-40B4-BE49-F238E27FC236}">
-                <a16:creationId xmlns:a16="http://schemas.microsoft.com/office/drawing/2014/main" id="{6D1BD312-52B0-EA3C-3DDE-5F7C08D13982}"/>
-              </a:ext>
-            </a:extLst>
-          </p:cNvPr>
+            <a:endParaRPr lang="en-US" dirty="0"/>
+          </a:p>
+        </p:txBody>
+      </p:sp>
+      <p:sp>
+        <p:nvSpPr>
+          <p:cNvPr id="3" name="Text Placeholder 2"/>
           <p:cNvSpPr>
             <a:spLocks noGrp="1"/>
           </p:cNvSpPr>
@@ -2363,8 +2165,8 @@
         </p:nvSpPr>
         <p:spPr>
           <a:xfrm>
-            <a:off x="839788" y="1681163"/>
-            <a:ext cx="5157787" cy="823912"/>
+            <a:off x="495891" y="1681163"/>
+            <a:ext cx="3045646" cy="823912"/>
           </a:xfrm>
         </p:spPr>
         <p:txBody>
@@ -2372,39 +2174,39 @@
           <a:lstStyle>
             <a:lvl1pPr marL="0" indent="0">
               <a:buNone/>
-              <a:defRPr sz="2400" b="1"/>
+              <a:defRPr sz="1890" b="1"/>
             </a:lvl1pPr>
-            <a:lvl2pPr marL="457200" indent="0">
-              <a:buNone/>
-              <a:defRPr sz="2000" b="1"/>
+            <a:lvl2pPr marL="359954" indent="0">
+              <a:buNone/>
+              <a:defRPr sz="1575" b="1"/>
             </a:lvl2pPr>
-            <a:lvl3pPr marL="914400" indent="0">
-              <a:buNone/>
-              <a:defRPr sz="1800" b="1"/>
+            <a:lvl3pPr marL="719907" indent="0">
+              <a:buNone/>
+              <a:defRPr sz="1417" b="1"/>
             </a:lvl3pPr>
-            <a:lvl4pPr marL="1371600" indent="0">
-              <a:buNone/>
-              <a:defRPr sz="1600" b="1"/>
+            <a:lvl4pPr marL="1079861" indent="0">
+              <a:buNone/>
+              <a:defRPr sz="1260" b="1"/>
             </a:lvl4pPr>
-            <a:lvl5pPr marL="1828800" indent="0">
-              <a:buNone/>
-              <a:defRPr sz="1600" b="1"/>
+            <a:lvl5pPr marL="1439814" indent="0">
+              <a:buNone/>
+              <a:defRPr sz="1260" b="1"/>
             </a:lvl5pPr>
-            <a:lvl6pPr marL="2286000" indent="0">
-              <a:buNone/>
-              <a:defRPr sz="1600" b="1"/>
+            <a:lvl6pPr marL="1799768" indent="0">
+              <a:buNone/>
+              <a:defRPr sz="1260" b="1"/>
             </a:lvl6pPr>
-            <a:lvl7pPr marL="2743200" indent="0">
-              <a:buNone/>
-              <a:defRPr sz="1600" b="1"/>
+            <a:lvl7pPr marL="2159721" indent="0">
+              <a:buNone/>
+              <a:defRPr sz="1260" b="1"/>
             </a:lvl7pPr>
-            <a:lvl8pPr marL="3200400" indent="0">
-              <a:buNone/>
-              <a:defRPr sz="1600" b="1"/>
+            <a:lvl8pPr marL="2519675" indent="0">
+              <a:buNone/>
+              <a:defRPr sz="1260" b="1"/>
             </a:lvl8pPr>
-            <a:lvl9pPr marL="3657600" indent="0">
-              <a:buNone/>
-              <a:defRPr sz="1600" b="1"/>
+            <a:lvl9pPr marL="2879628" indent="0">
+              <a:buNone/>
+              <a:defRPr sz="1260" b="1"/>
             </a:lvl9pPr>
           </a:lstStyle>
           <a:p>
@@ -2418,13 +2220,7 @@
       </p:sp>
       <p:sp>
         <p:nvSpPr>
-          <p:cNvPr id="4" name="Content Placeholder 3">
-            <a:extLst>
-              <a:ext uri="{FF2B5EF4-FFF2-40B4-BE49-F238E27FC236}">
-                <a16:creationId xmlns:a16="http://schemas.microsoft.com/office/drawing/2014/main" id="{A0D0AAB7-1CE4-FFC6-3E85-B40AA10337EA}"/>
-              </a:ext>
-            </a:extLst>
-          </p:cNvPr>
+          <p:cNvPr id="4" name="Content Placeholder 3"/>
           <p:cNvSpPr>
             <a:spLocks noGrp="1"/>
           </p:cNvSpPr>
@@ -2434,8 +2230,8 @@
         </p:nvSpPr>
         <p:spPr>
           <a:xfrm>
-            <a:off x="839788" y="2505075"/>
-            <a:ext cx="5157787" cy="3684588"/>
+            <a:off x="495891" y="2505075"/>
+            <a:ext cx="3045646" cy="3684588"/>
           </a:xfrm>
         </p:spPr>
         <p:txBody>
@@ -2475,19 +2271,13 @@
               <a:rPr lang="en-GB"/>
               <a:t>Fifth level</a:t>
             </a:r>
-            <a:endParaRPr lang="en-US"/>
-          </a:p>
-        </p:txBody>
-      </p:sp>
-      <p:sp>
-        <p:nvSpPr>
-          <p:cNvPr id="5" name="Text Placeholder 4">
-            <a:extLst>
-              <a:ext uri="{FF2B5EF4-FFF2-40B4-BE49-F238E27FC236}">
-                <a16:creationId xmlns:a16="http://schemas.microsoft.com/office/drawing/2014/main" id="{29536978-0A7B-3131-D52C-B5435DFBF1DB}"/>
-              </a:ext>
-            </a:extLst>
-          </p:cNvPr>
+            <a:endParaRPr lang="en-US" dirty="0"/>
+          </a:p>
+        </p:txBody>
+      </p:sp>
+      <p:sp>
+        <p:nvSpPr>
+          <p:cNvPr id="5" name="Text Placeholder 4"/>
           <p:cNvSpPr>
             <a:spLocks noGrp="1"/>
           </p:cNvSpPr>
@@ -2497,8 +2287,8 @@
         </p:nvSpPr>
         <p:spPr>
           <a:xfrm>
-            <a:off x="6172200" y="1681163"/>
-            <a:ext cx="5183188" cy="823912"/>
+            <a:off x="3644652" y="1681163"/>
+            <a:ext cx="3060646" cy="823912"/>
           </a:xfrm>
         </p:spPr>
         <p:txBody>
@@ -2506,39 +2296,39 @@
           <a:lstStyle>
             <a:lvl1pPr marL="0" indent="0">
               <a:buNone/>
-              <a:defRPr sz="2400" b="1"/>
+              <a:defRPr sz="1890" b="1"/>
             </a:lvl1pPr>
-            <a:lvl2pPr marL="457200" indent="0">
-              <a:buNone/>
-              <a:defRPr sz="2000" b="1"/>
+            <a:lvl2pPr marL="359954" indent="0">
+              <a:buNone/>
+              <a:defRPr sz="1575" b="1"/>
             </a:lvl2pPr>
-            <a:lvl3pPr marL="914400" indent="0">
-              <a:buNone/>
-              <a:defRPr sz="1800" b="1"/>
+            <a:lvl3pPr marL="719907" indent="0">
+              <a:buNone/>
+              <a:defRPr sz="1417" b="1"/>
             </a:lvl3pPr>
-            <a:lvl4pPr marL="1371600" indent="0">
-              <a:buNone/>
-              <a:defRPr sz="1600" b="1"/>
+            <a:lvl4pPr marL="1079861" indent="0">
+              <a:buNone/>
+              <a:defRPr sz="1260" b="1"/>
             </a:lvl4pPr>
-            <a:lvl5pPr marL="1828800" indent="0">
-              <a:buNone/>
-              <a:defRPr sz="1600" b="1"/>
+            <a:lvl5pPr marL="1439814" indent="0">
+              <a:buNone/>
+              <a:defRPr sz="1260" b="1"/>
             </a:lvl5pPr>
-            <a:lvl6pPr marL="2286000" indent="0">
-              <a:buNone/>
-              <a:defRPr sz="1600" b="1"/>
+            <a:lvl6pPr marL="1799768" indent="0">
+              <a:buNone/>
+              <a:defRPr sz="1260" b="1"/>
             </a:lvl6pPr>
-            <a:lvl7pPr marL="2743200" indent="0">
-              <a:buNone/>
-              <a:defRPr sz="1600" b="1"/>
+            <a:lvl7pPr marL="2159721" indent="0">
+              <a:buNone/>
+              <a:defRPr sz="1260" b="1"/>
             </a:lvl7pPr>
-            <a:lvl8pPr marL="3200400" indent="0">
-              <a:buNone/>
-              <a:defRPr sz="1600" b="1"/>
+            <a:lvl8pPr marL="2519675" indent="0">
+              <a:buNone/>
+              <a:defRPr sz="1260" b="1"/>
             </a:lvl8pPr>
-            <a:lvl9pPr marL="3657600" indent="0">
-              <a:buNone/>
-              <a:defRPr sz="1600" b="1"/>
+            <a:lvl9pPr marL="2879628" indent="0">
+              <a:buNone/>
+              <a:defRPr sz="1260" b="1"/>
             </a:lvl9pPr>
           </a:lstStyle>
           <a:p>
@@ -2552,13 +2342,7 @@
       </p:sp>
       <p:sp>
         <p:nvSpPr>
-          <p:cNvPr id="6" name="Content Placeholder 5">
-            <a:extLst>
-              <a:ext uri="{FF2B5EF4-FFF2-40B4-BE49-F238E27FC236}">
-                <a16:creationId xmlns:a16="http://schemas.microsoft.com/office/drawing/2014/main" id="{338AB17E-3781-9AAF-4FD2-C73671757AF8}"/>
-              </a:ext>
-            </a:extLst>
-          </p:cNvPr>
+          <p:cNvPr id="6" name="Content Placeholder 5"/>
           <p:cNvSpPr>
             <a:spLocks noGrp="1"/>
           </p:cNvSpPr>
@@ -2568,8 +2352,8 @@
         </p:nvSpPr>
         <p:spPr>
           <a:xfrm>
-            <a:off x="6172200" y="2505075"/>
-            <a:ext cx="5183188" cy="3684588"/>
+            <a:off x="3644652" y="2505075"/>
+            <a:ext cx="3060646" cy="3684588"/>
           </a:xfrm>
         </p:spPr>
         <p:txBody>
@@ -2609,19 +2393,13 @@
               <a:rPr lang="en-GB"/>
               <a:t>Fifth level</a:t>
             </a:r>
-            <a:endParaRPr lang="en-US"/>
-          </a:p>
-        </p:txBody>
-      </p:sp>
-      <p:sp>
-        <p:nvSpPr>
-          <p:cNvPr id="7" name="Date Placeholder 6">
-            <a:extLst>
-              <a:ext uri="{FF2B5EF4-FFF2-40B4-BE49-F238E27FC236}">
-                <a16:creationId xmlns:a16="http://schemas.microsoft.com/office/drawing/2014/main" id="{3EA3B143-3A05-E8E3-745F-9B16DC1B4838}"/>
-              </a:ext>
-            </a:extLst>
-          </p:cNvPr>
+            <a:endParaRPr lang="en-US" dirty="0"/>
+          </a:p>
+        </p:txBody>
+      </p:sp>
+      <p:sp>
+        <p:nvSpPr>
+          <p:cNvPr id="7" name="Date Placeholder 6"/>
           <p:cNvSpPr>
             <a:spLocks noGrp="1"/>
           </p:cNvSpPr>
@@ -2636,7 +2414,7 @@
           <a:p>
             <a:fld id="{7E97486E-EFCC-6E4E-8429-F68F2452DBD2}" type="datetimeFigureOut">
               <a:rPr lang="en-US" smtClean="0"/>
-              <a:t>12/2/25</a:t>
+              <a:t>12/3/25</a:t>
             </a:fld>
             <a:endParaRPr lang="en-US"/>
           </a:p>
@@ -2644,13 +2422,7 @@
       </p:sp>
       <p:sp>
         <p:nvSpPr>
-          <p:cNvPr id="8" name="Footer Placeholder 7">
-            <a:extLst>
-              <a:ext uri="{FF2B5EF4-FFF2-40B4-BE49-F238E27FC236}">
-                <a16:creationId xmlns:a16="http://schemas.microsoft.com/office/drawing/2014/main" id="{7DBAE4A4-8006-D2E6-555A-DFF0CE8BB24A}"/>
-              </a:ext>
-            </a:extLst>
-          </p:cNvPr>
+          <p:cNvPr id="8" name="Footer Placeholder 7"/>
           <p:cNvSpPr>
             <a:spLocks noGrp="1"/>
           </p:cNvSpPr>
@@ -2669,13 +2441,7 @@
       </p:sp>
       <p:sp>
         <p:nvSpPr>
-          <p:cNvPr id="9" name="Slide Number Placeholder 8">
-            <a:extLst>
-              <a:ext uri="{FF2B5EF4-FFF2-40B4-BE49-F238E27FC236}">
-                <a16:creationId xmlns:a16="http://schemas.microsoft.com/office/drawing/2014/main" id="{6E56877D-20D8-ABD8-01DC-0A6E8491B196}"/>
-              </a:ext>
-            </a:extLst>
-          </p:cNvPr>
+          <p:cNvPr id="9" name="Slide Number Placeholder 8"/>
           <p:cNvSpPr>
             <a:spLocks noGrp="1"/>
           </p:cNvSpPr>
@@ -2699,7 +2465,7 @@
     </p:spTree>
     <p:extLst>
       <p:ext uri="{BB962C8B-B14F-4D97-AF65-F5344CB8AC3E}">
-        <p14:creationId xmlns:p14="http://schemas.microsoft.com/office/powerpoint/2010/main" val="1503003600"/>
+        <p14:creationId xmlns:p14="http://schemas.microsoft.com/office/powerpoint/2010/main" val="4122195115"/>
       </p:ext>
     </p:extLst>
   </p:cSld>
@@ -2728,13 +2494,7 @@
       </p:grpSpPr>
       <p:sp>
         <p:nvSpPr>
-          <p:cNvPr id="2" name="Title 1">
-            <a:extLst>
-              <a:ext uri="{FF2B5EF4-FFF2-40B4-BE49-F238E27FC236}">
-                <a16:creationId xmlns:a16="http://schemas.microsoft.com/office/drawing/2014/main" id="{FA8F7B65-8085-D923-43E7-C4D57E9763C1}"/>
-              </a:ext>
-            </a:extLst>
-          </p:cNvPr>
+          <p:cNvPr id="2" name="Title 1"/>
           <p:cNvSpPr>
             <a:spLocks noGrp="1"/>
           </p:cNvSpPr>
@@ -2751,19 +2511,13 @@
               <a:rPr lang="en-GB"/>
               <a:t>Click to edit Master title style</a:t>
             </a:r>
-            <a:endParaRPr lang="en-US"/>
-          </a:p>
-        </p:txBody>
-      </p:sp>
-      <p:sp>
-        <p:nvSpPr>
-          <p:cNvPr id="3" name="Date Placeholder 2">
-            <a:extLst>
-              <a:ext uri="{FF2B5EF4-FFF2-40B4-BE49-F238E27FC236}">
-                <a16:creationId xmlns:a16="http://schemas.microsoft.com/office/drawing/2014/main" id="{B532B37E-B124-B653-7A10-C86838B3996D}"/>
-              </a:ext>
-            </a:extLst>
-          </p:cNvPr>
+            <a:endParaRPr lang="en-US" dirty="0"/>
+          </a:p>
+        </p:txBody>
+      </p:sp>
+      <p:sp>
+        <p:nvSpPr>
+          <p:cNvPr id="3" name="Date Placeholder 2"/>
           <p:cNvSpPr>
             <a:spLocks noGrp="1"/>
           </p:cNvSpPr>
@@ -2778,7 +2532,7 @@
           <a:p>
             <a:fld id="{7E97486E-EFCC-6E4E-8429-F68F2452DBD2}" type="datetimeFigureOut">
               <a:rPr lang="en-US" smtClean="0"/>
-              <a:t>12/2/25</a:t>
+              <a:t>12/3/25</a:t>
             </a:fld>
             <a:endParaRPr lang="en-US"/>
           </a:p>
@@ -2786,13 +2540,7 @@
       </p:sp>
       <p:sp>
         <p:nvSpPr>
-          <p:cNvPr id="4" name="Footer Placeholder 3">
-            <a:extLst>
-              <a:ext uri="{FF2B5EF4-FFF2-40B4-BE49-F238E27FC236}">
-                <a16:creationId xmlns:a16="http://schemas.microsoft.com/office/drawing/2014/main" id="{9553D372-1160-6E1F-BEA2-AA5EB80C93FF}"/>
-              </a:ext>
-            </a:extLst>
-          </p:cNvPr>
+          <p:cNvPr id="4" name="Footer Placeholder 3"/>
           <p:cNvSpPr>
             <a:spLocks noGrp="1"/>
           </p:cNvSpPr>
@@ -2811,13 +2559,7 @@
       </p:sp>
       <p:sp>
         <p:nvSpPr>
-          <p:cNvPr id="5" name="Slide Number Placeholder 4">
-            <a:extLst>
-              <a:ext uri="{FF2B5EF4-FFF2-40B4-BE49-F238E27FC236}">
-                <a16:creationId xmlns:a16="http://schemas.microsoft.com/office/drawing/2014/main" id="{D8E9FB3A-B38B-B4E8-F061-08333F182AE0}"/>
-              </a:ext>
-            </a:extLst>
-          </p:cNvPr>
+          <p:cNvPr id="5" name="Slide Number Placeholder 4"/>
           <p:cNvSpPr>
             <a:spLocks noGrp="1"/>
           </p:cNvSpPr>
@@ -2841,7 +2583,7 @@
     </p:spTree>
     <p:extLst>
       <p:ext uri="{BB962C8B-B14F-4D97-AF65-F5344CB8AC3E}">
-        <p14:creationId xmlns:p14="http://schemas.microsoft.com/office/powerpoint/2010/main" val="4165995623"/>
+        <p14:creationId xmlns:p14="http://schemas.microsoft.com/office/powerpoint/2010/main" val="3066608978"/>
       </p:ext>
     </p:extLst>
   </p:cSld>
@@ -2870,13 +2612,7 @@
       </p:grpSpPr>
       <p:sp>
         <p:nvSpPr>
-          <p:cNvPr id="2" name="Date Placeholder 1">
-            <a:extLst>
-              <a:ext uri="{FF2B5EF4-FFF2-40B4-BE49-F238E27FC236}">
-                <a16:creationId xmlns:a16="http://schemas.microsoft.com/office/drawing/2014/main" id="{E8BBAC75-9BD5-39A4-AC77-30D12BADE387}"/>
-              </a:ext>
-            </a:extLst>
-          </p:cNvPr>
+          <p:cNvPr id="2" name="Date Placeholder 1"/>
           <p:cNvSpPr>
             <a:spLocks noGrp="1"/>
           </p:cNvSpPr>
@@ -2891,7 +2627,7 @@
           <a:p>
             <a:fld id="{7E97486E-EFCC-6E4E-8429-F68F2452DBD2}" type="datetimeFigureOut">
               <a:rPr lang="en-US" smtClean="0"/>
-              <a:t>12/2/25</a:t>
+              <a:t>12/3/25</a:t>
             </a:fld>
             <a:endParaRPr lang="en-US"/>
           </a:p>
@@ -2899,13 +2635,7 @@
       </p:sp>
       <p:sp>
         <p:nvSpPr>
-          <p:cNvPr id="3" name="Footer Placeholder 2">
-            <a:extLst>
-              <a:ext uri="{FF2B5EF4-FFF2-40B4-BE49-F238E27FC236}">
-                <a16:creationId xmlns:a16="http://schemas.microsoft.com/office/drawing/2014/main" id="{10D0A66C-46A7-D41D-AE7F-CE074DA145AD}"/>
-              </a:ext>
-            </a:extLst>
-          </p:cNvPr>
+          <p:cNvPr id="3" name="Footer Placeholder 2"/>
           <p:cNvSpPr>
             <a:spLocks noGrp="1"/>
           </p:cNvSpPr>
@@ -2924,13 +2654,7 @@
       </p:sp>
       <p:sp>
         <p:nvSpPr>
-          <p:cNvPr id="4" name="Slide Number Placeholder 3">
-            <a:extLst>
-              <a:ext uri="{FF2B5EF4-FFF2-40B4-BE49-F238E27FC236}">
-                <a16:creationId xmlns:a16="http://schemas.microsoft.com/office/drawing/2014/main" id="{B1F20418-CE42-0FD0-EA86-3D768A9FAF8D}"/>
-              </a:ext>
-            </a:extLst>
-          </p:cNvPr>
+          <p:cNvPr id="4" name="Slide Number Placeholder 3"/>
           <p:cNvSpPr>
             <a:spLocks noGrp="1"/>
           </p:cNvSpPr>
@@ -2954,7 +2678,7 @@
     </p:spTree>
     <p:extLst>
       <p:ext uri="{BB962C8B-B14F-4D97-AF65-F5344CB8AC3E}">
-        <p14:creationId xmlns:p14="http://schemas.microsoft.com/office/powerpoint/2010/main" val="933955225"/>
+        <p14:creationId xmlns:p14="http://schemas.microsoft.com/office/powerpoint/2010/main" val="1966355153"/>
       </p:ext>
     </p:extLst>
   </p:cSld>
@@ -2983,13 +2707,7 @@
       </p:grpSpPr>
       <p:sp>
         <p:nvSpPr>
-          <p:cNvPr id="2" name="Title 1">
-            <a:extLst>
-              <a:ext uri="{FF2B5EF4-FFF2-40B4-BE49-F238E27FC236}">
-                <a16:creationId xmlns:a16="http://schemas.microsoft.com/office/drawing/2014/main" id="{F8582183-0ACF-A5CE-0AA6-C6BA824AA4D0}"/>
-              </a:ext>
-            </a:extLst>
-          </p:cNvPr>
+          <p:cNvPr id="2" name="Title 1"/>
           <p:cNvSpPr>
             <a:spLocks noGrp="1"/>
           </p:cNvSpPr>
@@ -2999,15 +2717,15 @@
         </p:nvSpPr>
         <p:spPr>
           <a:xfrm>
-            <a:off x="839788" y="457200"/>
-            <a:ext cx="3932237" cy="1600200"/>
+            <a:off x="495890" y="457200"/>
+            <a:ext cx="2321966" cy="1600200"/>
           </a:xfrm>
         </p:spPr>
         <p:txBody>
           <a:bodyPr anchor="b"/>
           <a:lstStyle>
             <a:lvl1pPr>
-              <a:defRPr sz="3200"/>
+              <a:defRPr sz="2519"/>
             </a:lvl1pPr>
           </a:lstStyle>
           <a:p>
@@ -3015,19 +2733,13 @@
               <a:rPr lang="en-GB"/>
               <a:t>Click to edit Master title style</a:t>
             </a:r>
-            <a:endParaRPr lang="en-US"/>
-          </a:p>
-        </p:txBody>
-      </p:sp>
-      <p:sp>
-        <p:nvSpPr>
-          <p:cNvPr id="3" name="Content Placeholder 2">
-            <a:extLst>
-              <a:ext uri="{FF2B5EF4-FFF2-40B4-BE49-F238E27FC236}">
-                <a16:creationId xmlns:a16="http://schemas.microsoft.com/office/drawing/2014/main" id="{2CBE26B8-7010-EE60-5464-1CC4779CAF14}"/>
-              </a:ext>
-            </a:extLst>
-          </p:cNvPr>
+            <a:endParaRPr lang="en-US" dirty="0"/>
+          </a:p>
+        </p:txBody>
+      </p:sp>
+      <p:sp>
+        <p:nvSpPr>
+          <p:cNvPr id="3" name="Content Placeholder 2"/>
           <p:cNvSpPr>
             <a:spLocks noGrp="1"/>
           </p:cNvSpPr>
@@ -3037,39 +2749,39 @@
         </p:nvSpPr>
         <p:spPr>
           <a:xfrm>
-            <a:off x="5183188" y="987425"/>
-            <a:ext cx="6172200" cy="4873625"/>
+            <a:off x="3060646" y="987426"/>
+            <a:ext cx="3644652" cy="4873625"/>
           </a:xfrm>
         </p:spPr>
         <p:txBody>
           <a:bodyPr/>
           <a:lstStyle>
             <a:lvl1pPr>
-              <a:defRPr sz="3200"/>
+              <a:defRPr sz="2519"/>
             </a:lvl1pPr>
             <a:lvl2pPr>
-              <a:defRPr sz="2800"/>
+              <a:defRPr sz="2204"/>
             </a:lvl2pPr>
             <a:lvl3pPr>
-              <a:defRPr sz="2400"/>
+              <a:defRPr sz="1890"/>
             </a:lvl3pPr>
             <a:lvl4pPr>
-              <a:defRPr sz="2000"/>
+              <a:defRPr sz="1575"/>
             </a:lvl4pPr>
             <a:lvl5pPr>
-              <a:defRPr sz="2000"/>
+              <a:defRPr sz="1575"/>
             </a:lvl5pPr>
             <a:lvl6pPr>
-              <a:defRPr sz="2000"/>
+              <a:defRPr sz="1575"/>
             </a:lvl6pPr>
             <a:lvl7pPr>
-              <a:defRPr sz="2000"/>
+              <a:defRPr sz="1575"/>
             </a:lvl7pPr>
             <a:lvl8pPr>
-              <a:defRPr sz="2000"/>
+              <a:defRPr sz="1575"/>
             </a:lvl8pPr>
             <a:lvl9pPr>
-              <a:defRPr sz="2000"/>
+              <a:defRPr sz="1575"/>
             </a:lvl9pPr>
           </a:lstStyle>
           <a:p>
@@ -3106,19 +2818,13 @@
               <a:rPr lang="en-GB"/>
               <a:t>Fifth level</a:t>
             </a:r>
-            <a:endParaRPr lang="en-US"/>
-          </a:p>
-        </p:txBody>
-      </p:sp>
-      <p:sp>
-        <p:nvSpPr>
-          <p:cNvPr id="4" name="Text Placeholder 3">
-            <a:extLst>
-              <a:ext uri="{FF2B5EF4-FFF2-40B4-BE49-F238E27FC236}">
-                <a16:creationId xmlns:a16="http://schemas.microsoft.com/office/drawing/2014/main" id="{8B82E915-2A61-4D17-B7CF-C33A59ACA9C4}"/>
-              </a:ext>
-            </a:extLst>
-          </p:cNvPr>
+            <a:endParaRPr lang="en-US" dirty="0"/>
+          </a:p>
+        </p:txBody>
+      </p:sp>
+      <p:sp>
+        <p:nvSpPr>
+          <p:cNvPr id="4" name="Text Placeholder 3"/>
           <p:cNvSpPr>
             <a:spLocks noGrp="1"/>
           </p:cNvSpPr>
@@ -3128,8 +2834,8 @@
         </p:nvSpPr>
         <p:spPr>
           <a:xfrm>
-            <a:off x="839788" y="2057400"/>
-            <a:ext cx="3932237" cy="3811588"/>
+            <a:off x="495890" y="2057400"/>
+            <a:ext cx="2321966" cy="3811588"/>
           </a:xfrm>
         </p:spPr>
         <p:txBody>
@@ -3137,39 +2843,39 @@
           <a:lstStyle>
             <a:lvl1pPr marL="0" indent="0">
               <a:buNone/>
-              <a:defRPr sz="1600"/>
+              <a:defRPr sz="1260"/>
             </a:lvl1pPr>
-            <a:lvl2pPr marL="457200" indent="0">
-              <a:buNone/>
-              <a:defRPr sz="1400"/>
+            <a:lvl2pPr marL="359954" indent="0">
+              <a:buNone/>
+              <a:defRPr sz="1102"/>
             </a:lvl2pPr>
-            <a:lvl3pPr marL="914400" indent="0">
-              <a:buNone/>
-              <a:defRPr sz="1200"/>
+            <a:lvl3pPr marL="719907" indent="0">
+              <a:buNone/>
+              <a:defRPr sz="945"/>
             </a:lvl3pPr>
-            <a:lvl4pPr marL="1371600" indent="0">
-              <a:buNone/>
-              <a:defRPr sz="1000"/>
+            <a:lvl4pPr marL="1079861" indent="0">
+              <a:buNone/>
+              <a:defRPr sz="787"/>
             </a:lvl4pPr>
-            <a:lvl5pPr marL="1828800" indent="0">
-              <a:buNone/>
-              <a:defRPr sz="1000"/>
+            <a:lvl5pPr marL="1439814" indent="0">
+              <a:buNone/>
+              <a:defRPr sz="787"/>
             </a:lvl5pPr>
-            <a:lvl6pPr marL="2286000" indent="0">
-              <a:buNone/>
-              <a:defRPr sz="1000"/>
+            <a:lvl6pPr marL="1799768" indent="0">
+              <a:buNone/>
+              <a:defRPr sz="787"/>
             </a:lvl6pPr>
-            <a:lvl7pPr marL="2743200" indent="0">
-              <a:buNone/>
-              <a:defRPr sz="1000"/>
+            <a:lvl7pPr marL="2159721" indent="0">
+              <a:buNone/>
+              <a:defRPr sz="787"/>
             </a:lvl7pPr>
-            <a:lvl8pPr marL="3200400" indent="0">
-              <a:buNone/>
-              <a:defRPr sz="1000"/>
+            <a:lvl8pPr marL="2519675" indent="0">
+              <a:buNone/>
+              <a:defRPr sz="787"/>
             </a:lvl8pPr>
-            <a:lvl9pPr marL="3657600" indent="0">
-              <a:buNone/>
-              <a:defRPr sz="1000"/>
+            <a:lvl9pPr marL="2879628" indent="0">
+              <a:buNone/>
+              <a:defRPr sz="787"/>
             </a:lvl9pPr>
           </a:lstStyle>
           <a:p>
@@ -3183,13 +2889,7 @@
       </p:sp>
       <p:sp>
         <p:nvSpPr>
-          <p:cNvPr id="5" name="Date Placeholder 4">
-            <a:extLst>
-              <a:ext uri="{FF2B5EF4-FFF2-40B4-BE49-F238E27FC236}">
-                <a16:creationId xmlns:a16="http://schemas.microsoft.com/office/drawing/2014/main" id="{E27BD07D-65E0-5167-73B2-7670BFBF195D}"/>
-              </a:ext>
-            </a:extLst>
-          </p:cNvPr>
+          <p:cNvPr id="5" name="Date Placeholder 4"/>
           <p:cNvSpPr>
             <a:spLocks noGrp="1"/>
           </p:cNvSpPr>
@@ -3204,7 +2904,7 @@
           <a:p>
             <a:fld id="{7E97486E-EFCC-6E4E-8429-F68F2452DBD2}" type="datetimeFigureOut">
               <a:rPr lang="en-US" smtClean="0"/>
-              <a:t>12/2/25</a:t>
+              <a:t>12/3/25</a:t>
             </a:fld>
             <a:endParaRPr lang="en-US"/>
           </a:p>
@@ -3212,13 +2912,7 @@
       </p:sp>
       <p:sp>
         <p:nvSpPr>
-          <p:cNvPr id="6" name="Footer Placeholder 5">
-            <a:extLst>
-              <a:ext uri="{FF2B5EF4-FFF2-40B4-BE49-F238E27FC236}">
-                <a16:creationId xmlns:a16="http://schemas.microsoft.com/office/drawing/2014/main" id="{201FDA8B-89B6-587D-A27C-BC1E16226FD6}"/>
-              </a:ext>
-            </a:extLst>
-          </p:cNvPr>
+          <p:cNvPr id="6" name="Footer Placeholder 5"/>
           <p:cNvSpPr>
             <a:spLocks noGrp="1"/>
           </p:cNvSpPr>
@@ -3237,13 +2931,7 @@
       </p:sp>
       <p:sp>
         <p:nvSpPr>
-          <p:cNvPr id="7" name="Slide Number Placeholder 6">
-            <a:extLst>
-              <a:ext uri="{FF2B5EF4-FFF2-40B4-BE49-F238E27FC236}">
-                <a16:creationId xmlns:a16="http://schemas.microsoft.com/office/drawing/2014/main" id="{D871F6BD-6838-A96E-6E5C-C4FD1B92A522}"/>
-              </a:ext>
-            </a:extLst>
-          </p:cNvPr>
+          <p:cNvPr id="7" name="Slide Number Placeholder 6"/>
           <p:cNvSpPr>
             <a:spLocks noGrp="1"/>
           </p:cNvSpPr>
@@ -3267,7 +2955,7 @@
     </p:spTree>
     <p:extLst>
       <p:ext uri="{BB962C8B-B14F-4D97-AF65-F5344CB8AC3E}">
-        <p14:creationId xmlns:p14="http://schemas.microsoft.com/office/powerpoint/2010/main" val="3296297602"/>
+        <p14:creationId xmlns:p14="http://schemas.microsoft.com/office/powerpoint/2010/main" val="1571297007"/>
       </p:ext>
     </p:extLst>
   </p:cSld>
@@ -3296,13 +2984,7 @@
       </p:grpSpPr>
       <p:sp>
         <p:nvSpPr>
-          <p:cNvPr id="2" name="Title 1">
-            <a:extLst>
-              <a:ext uri="{FF2B5EF4-FFF2-40B4-BE49-F238E27FC236}">
-                <a16:creationId xmlns:a16="http://schemas.microsoft.com/office/drawing/2014/main" id="{9272F809-A324-9FF0-0C54-2DEE9BE56CBA}"/>
-              </a:ext>
-            </a:extLst>
-          </p:cNvPr>
+          <p:cNvPr id="2" name="Title 1"/>
           <p:cNvSpPr>
             <a:spLocks noGrp="1"/>
           </p:cNvSpPr>
@@ -3312,15 +2994,15 @@
         </p:nvSpPr>
         <p:spPr>
           <a:xfrm>
-            <a:off x="839788" y="457200"/>
-            <a:ext cx="3932237" cy="1600200"/>
+            <a:off x="495890" y="457200"/>
+            <a:ext cx="2321966" cy="1600200"/>
           </a:xfrm>
         </p:spPr>
         <p:txBody>
           <a:bodyPr anchor="b"/>
           <a:lstStyle>
             <a:lvl1pPr>
-              <a:defRPr sz="3200"/>
+              <a:defRPr sz="2519"/>
             </a:lvl1pPr>
           </a:lstStyle>
           <a:p>
@@ -3328,21 +3010,15 @@
               <a:rPr lang="en-GB"/>
               <a:t>Click to edit Master title style</a:t>
             </a:r>
-            <a:endParaRPr lang="en-US"/>
-          </a:p>
-        </p:txBody>
-      </p:sp>
-      <p:sp>
-        <p:nvSpPr>
-          <p:cNvPr id="3" name="Picture Placeholder 2">
-            <a:extLst>
-              <a:ext uri="{FF2B5EF4-FFF2-40B4-BE49-F238E27FC236}">
-                <a16:creationId xmlns:a16="http://schemas.microsoft.com/office/drawing/2014/main" id="{09C910D3-3EC3-BD81-B0C9-6FDC41FE52A8}"/>
-              </a:ext>
-            </a:extLst>
-          </p:cNvPr>
-          <p:cNvSpPr>
-            <a:spLocks noGrp="1"/>
+            <a:endParaRPr lang="en-US" dirty="0"/>
+          </a:p>
+        </p:txBody>
+      </p:sp>
+      <p:sp>
+        <p:nvSpPr>
+          <p:cNvPr id="3" name="Picture Placeholder 2"/>
+          <p:cNvSpPr>
+            <a:spLocks noGrp="1" noChangeAspect="1"/>
           </p:cNvSpPr>
           <p:nvPr>
             <p:ph type="pic" idx="1"/>
@@ -3350,8 +3026,73 @@
         </p:nvSpPr>
         <p:spPr>
           <a:xfrm>
-            <a:off x="5183188" y="987425"/>
-            <a:ext cx="6172200" cy="4873625"/>
+            <a:off x="3060646" y="987426"/>
+            <a:ext cx="3644652" cy="4873625"/>
+          </a:xfrm>
+        </p:spPr>
+        <p:txBody>
+          <a:bodyPr anchor="t"/>
+          <a:lstStyle>
+            <a:lvl1pPr marL="0" indent="0">
+              <a:buNone/>
+              <a:defRPr sz="2519"/>
+            </a:lvl1pPr>
+            <a:lvl2pPr marL="359954" indent="0">
+              <a:buNone/>
+              <a:defRPr sz="2204"/>
+            </a:lvl2pPr>
+            <a:lvl3pPr marL="719907" indent="0">
+              <a:buNone/>
+              <a:defRPr sz="1890"/>
+            </a:lvl3pPr>
+            <a:lvl4pPr marL="1079861" indent="0">
+              <a:buNone/>
+              <a:defRPr sz="1575"/>
+            </a:lvl4pPr>
+            <a:lvl5pPr marL="1439814" indent="0">
+              <a:buNone/>
+              <a:defRPr sz="1575"/>
+            </a:lvl5pPr>
+            <a:lvl6pPr marL="1799768" indent="0">
+              <a:buNone/>
+              <a:defRPr sz="1575"/>
+            </a:lvl6pPr>
+            <a:lvl7pPr marL="2159721" indent="0">
+              <a:buNone/>
+              <a:defRPr sz="1575"/>
+            </a:lvl7pPr>
+            <a:lvl8pPr marL="2519675" indent="0">
+              <a:buNone/>
+              <a:defRPr sz="1575"/>
+            </a:lvl8pPr>
+            <a:lvl9pPr marL="2879628" indent="0">
+              <a:buNone/>
+              <a:defRPr sz="1575"/>
+            </a:lvl9pPr>
+          </a:lstStyle>
+          <a:p>
+            <a:r>
+              <a:rPr lang="en-GB"/>
+              <a:t>Click icon to add picture</a:t>
+            </a:r>
+            <a:endParaRPr lang="en-US" dirty="0"/>
+          </a:p>
+        </p:txBody>
+      </p:sp>
+      <p:sp>
+        <p:nvSpPr>
+          <p:cNvPr id="4" name="Text Placeholder 3"/>
+          <p:cNvSpPr>
+            <a:spLocks noGrp="1"/>
+          </p:cNvSpPr>
+          <p:nvPr>
+            <p:ph type="body" sz="half" idx="2"/>
+          </p:nvPr>
+        </p:nvSpPr>
+        <p:spPr>
+          <a:xfrm>
+            <a:off x="495890" y="2057400"/>
+            <a:ext cx="2321966" cy="3811588"/>
           </a:xfrm>
         </p:spPr>
         <p:txBody>
@@ -3359,109 +3100,42 @@
           <a:lstStyle>
             <a:lvl1pPr marL="0" indent="0">
               <a:buNone/>
-              <a:defRPr sz="3200"/>
+              <a:defRPr sz="1260"/>
             </a:lvl1pPr>
-            <a:lvl2pPr marL="457200" indent="0">
-              <a:buNone/>
-              <a:defRPr sz="2800"/>
+            <a:lvl2pPr marL="359954" indent="0">
+              <a:buNone/>
+              <a:defRPr sz="1102"/>
             </a:lvl2pPr>
-            <a:lvl3pPr marL="914400" indent="0">
-              <a:buNone/>
-              <a:defRPr sz="2400"/>
+            <a:lvl3pPr marL="719907" indent="0">
+              <a:buNone/>
+              <a:defRPr sz="945"/>
             </a:lvl3pPr>
-            <a:lvl4pPr marL="1371600" indent="0">
-              <a:buNone/>
-              <a:defRPr sz="2000"/>
+            <a:lvl4pPr marL="1079861" indent="0">
+              <a:buNone/>
+              <a:defRPr sz="787"/>
             </a:lvl4pPr>
-            <a:lvl5pPr marL="1828800" indent="0">
-              <a:buNone/>
-              <a:defRPr sz="2000"/>
+            <a:lvl5pPr marL="1439814" indent="0">
+              <a:buNone/>
+              <a:defRPr sz="787"/>
             </a:lvl5pPr>
-            <a:lvl6pPr marL="2286000" indent="0">
-              <a:buNone/>
-              <a:defRPr sz="2000"/>
+            <a:lvl6pPr marL="1799768" indent="0">
+              <a:buNone/>
+              <a:defRPr sz="787"/>
             </a:lvl6pPr>
-            <a:lvl7pPr marL="2743200" indent="0">
-              <a:buNone/>
-              <a:defRPr sz="2000"/>
+            <a:lvl7pPr marL="2159721" indent="0">
+              <a:buNone/>
+              <a:defRPr sz="787"/>
             </a:lvl7pPr>
-            <a:lvl8pPr marL="3200400" indent="0">
-              <a:buNone/>
-              <a:defRPr sz="2000"/>
+            <a:lvl8pPr marL="2519675" indent="0">
+              <a:buNone/>
+              <a:defRPr sz="787"/>
             </a:lvl8pPr>
-            <a:lvl9pPr marL="3657600" indent="0">
-              <a:buNone/>
-              <a:defRPr sz="2000"/>
+            <a:lvl9pPr marL="2879628" indent="0">
+              <a:buNone/>
+              <a:defRPr sz="787"/>
             </a:lvl9pPr>
           </a:lstStyle>
           <a:p>
-            <a:endParaRPr lang="en-US"/>
-          </a:p>
-        </p:txBody>
-      </p:sp>
-      <p:sp>
-        <p:nvSpPr>
-          <p:cNvPr id="4" name="Text Placeholder 3">
-            <a:extLst>
-              <a:ext uri="{FF2B5EF4-FFF2-40B4-BE49-F238E27FC236}">
-                <a16:creationId xmlns:a16="http://schemas.microsoft.com/office/drawing/2014/main" id="{16531715-2C37-4A3E-6E75-CEE5E983FF2E}"/>
-              </a:ext>
-            </a:extLst>
-          </p:cNvPr>
-          <p:cNvSpPr>
-            <a:spLocks noGrp="1"/>
-          </p:cNvSpPr>
-          <p:nvPr>
-            <p:ph type="body" sz="half" idx="2"/>
-          </p:nvPr>
-        </p:nvSpPr>
-        <p:spPr>
-          <a:xfrm>
-            <a:off x="839788" y="2057400"/>
-            <a:ext cx="3932237" cy="3811588"/>
-          </a:xfrm>
-        </p:spPr>
-        <p:txBody>
-          <a:bodyPr/>
-          <a:lstStyle>
-            <a:lvl1pPr marL="0" indent="0">
-              <a:buNone/>
-              <a:defRPr sz="1600"/>
-            </a:lvl1pPr>
-            <a:lvl2pPr marL="457200" indent="0">
-              <a:buNone/>
-              <a:defRPr sz="1400"/>
-            </a:lvl2pPr>
-            <a:lvl3pPr marL="914400" indent="0">
-              <a:buNone/>
-              <a:defRPr sz="1200"/>
-            </a:lvl3pPr>
-            <a:lvl4pPr marL="1371600" indent="0">
-              <a:buNone/>
-              <a:defRPr sz="1000"/>
-            </a:lvl4pPr>
-            <a:lvl5pPr marL="1828800" indent="0">
-              <a:buNone/>
-              <a:defRPr sz="1000"/>
-            </a:lvl5pPr>
-            <a:lvl6pPr marL="2286000" indent="0">
-              <a:buNone/>
-              <a:defRPr sz="1000"/>
-            </a:lvl6pPr>
-            <a:lvl7pPr marL="2743200" indent="0">
-              <a:buNone/>
-              <a:defRPr sz="1000"/>
-            </a:lvl7pPr>
-            <a:lvl8pPr marL="3200400" indent="0">
-              <a:buNone/>
-              <a:defRPr sz="1000"/>
-            </a:lvl8pPr>
-            <a:lvl9pPr marL="3657600" indent="0">
-              <a:buNone/>
-              <a:defRPr sz="1000"/>
-            </a:lvl9pPr>
-          </a:lstStyle>
-          <a:p>
             <a:pPr lvl="0"/>
             <a:r>
               <a:rPr lang="en-GB"/>
@@ -3472,13 +3146,7 @@
       </p:sp>
       <p:sp>
         <p:nvSpPr>
-          <p:cNvPr id="5" name="Date Placeholder 4">
-            <a:extLst>
-              <a:ext uri="{FF2B5EF4-FFF2-40B4-BE49-F238E27FC236}">
-                <a16:creationId xmlns:a16="http://schemas.microsoft.com/office/drawing/2014/main" id="{C42BB88B-5B43-CF4F-1E45-1EB8E8BA8E42}"/>
-              </a:ext>
-            </a:extLst>
-          </p:cNvPr>
+          <p:cNvPr id="5" name="Date Placeholder 4"/>
           <p:cNvSpPr>
             <a:spLocks noGrp="1"/>
           </p:cNvSpPr>
@@ -3493,7 +3161,7 @@
           <a:p>
             <a:fld id="{7E97486E-EFCC-6E4E-8429-F68F2452DBD2}" type="datetimeFigureOut">
               <a:rPr lang="en-US" smtClean="0"/>
-              <a:t>12/2/25</a:t>
+              <a:t>12/3/25</a:t>
             </a:fld>
             <a:endParaRPr lang="en-US"/>
           </a:p>
@@ -3501,13 +3169,7 @@
       </p:sp>
       <p:sp>
         <p:nvSpPr>
-          <p:cNvPr id="6" name="Footer Placeholder 5">
-            <a:extLst>
-              <a:ext uri="{FF2B5EF4-FFF2-40B4-BE49-F238E27FC236}">
-                <a16:creationId xmlns:a16="http://schemas.microsoft.com/office/drawing/2014/main" id="{6768FA83-05A6-4466-8B53-8226B1322091}"/>
-              </a:ext>
-            </a:extLst>
-          </p:cNvPr>
+          <p:cNvPr id="6" name="Footer Placeholder 5"/>
           <p:cNvSpPr>
             <a:spLocks noGrp="1"/>
           </p:cNvSpPr>
@@ -3526,13 +3188,7 @@
       </p:sp>
       <p:sp>
         <p:nvSpPr>
-          <p:cNvPr id="7" name="Slide Number Placeholder 6">
-            <a:extLst>
-              <a:ext uri="{FF2B5EF4-FFF2-40B4-BE49-F238E27FC236}">
-                <a16:creationId xmlns:a16="http://schemas.microsoft.com/office/drawing/2014/main" id="{99A11435-F316-45A6-0FFA-01F59A35636A}"/>
-              </a:ext>
-            </a:extLst>
-          </p:cNvPr>
+          <p:cNvPr id="7" name="Slide Number Placeholder 6"/>
           <p:cNvSpPr>
             <a:spLocks noGrp="1"/>
           </p:cNvSpPr>
@@ -3556,7 +3212,7 @@
     </p:spTree>
     <p:extLst>
       <p:ext uri="{BB962C8B-B14F-4D97-AF65-F5344CB8AC3E}">
-        <p14:creationId xmlns:p14="http://schemas.microsoft.com/office/powerpoint/2010/main" val="4294254569"/>
+        <p14:creationId xmlns:p14="http://schemas.microsoft.com/office/powerpoint/2010/main" val="2758102249"/>
       </p:ext>
     </p:extLst>
   </p:cSld>
@@ -3590,13 +3246,7 @@
       </p:grpSpPr>
       <p:sp>
         <p:nvSpPr>
-          <p:cNvPr id="2" name="Title Placeholder 1">
-            <a:extLst>
-              <a:ext uri="{FF2B5EF4-FFF2-40B4-BE49-F238E27FC236}">
-                <a16:creationId xmlns:a16="http://schemas.microsoft.com/office/drawing/2014/main" id="{7983AA6C-BA20-25FC-764F-7F09C39D7032}"/>
-              </a:ext>
-            </a:extLst>
-          </p:cNvPr>
+          <p:cNvPr id="2" name="Title Placeholder 1"/>
           <p:cNvSpPr>
             <a:spLocks noGrp="1"/>
           </p:cNvSpPr>
@@ -3606,8 +3256,8 @@
         </p:nvSpPr>
         <p:spPr>
           <a:xfrm>
-            <a:off x="838200" y="365125"/>
-            <a:ext cx="10515600" cy="1325563"/>
+            <a:off x="494953" y="365126"/>
+            <a:ext cx="6209407" cy="1325563"/>
           </a:xfrm>
           <a:prstGeom prst="rect">
             <a:avLst/>
@@ -3623,19 +3273,13 @@
               <a:rPr lang="en-GB"/>
               <a:t>Click to edit Master title style</a:t>
             </a:r>
-            <a:endParaRPr lang="en-US"/>
-          </a:p>
-        </p:txBody>
-      </p:sp>
-      <p:sp>
-        <p:nvSpPr>
-          <p:cNvPr id="3" name="Text Placeholder 2">
-            <a:extLst>
-              <a:ext uri="{FF2B5EF4-FFF2-40B4-BE49-F238E27FC236}">
-                <a16:creationId xmlns:a16="http://schemas.microsoft.com/office/drawing/2014/main" id="{92D0819C-CD87-C431-79A2-3410FC5E164A}"/>
-              </a:ext>
-            </a:extLst>
-          </p:cNvPr>
+            <a:endParaRPr lang="en-US" dirty="0"/>
+          </a:p>
+        </p:txBody>
+      </p:sp>
+      <p:sp>
+        <p:nvSpPr>
+          <p:cNvPr id="3" name="Text Placeholder 2"/>
           <p:cNvSpPr>
             <a:spLocks noGrp="1"/>
           </p:cNvSpPr>
@@ -3645,8 +3289,8 @@
         </p:nvSpPr>
         <p:spPr>
           <a:xfrm>
-            <a:off x="838200" y="1825625"/>
-            <a:ext cx="10515600" cy="4351338"/>
+            <a:off x="494953" y="1825625"/>
+            <a:ext cx="6209407" cy="4351338"/>
           </a:xfrm>
           <a:prstGeom prst="rect">
             <a:avLst/>
@@ -3691,19 +3335,13 @@
               <a:rPr lang="en-GB"/>
               <a:t>Fifth level</a:t>
             </a:r>
-            <a:endParaRPr lang="en-US"/>
-          </a:p>
-        </p:txBody>
-      </p:sp>
-      <p:sp>
-        <p:nvSpPr>
-          <p:cNvPr id="4" name="Date Placeholder 3">
-            <a:extLst>
-              <a:ext uri="{FF2B5EF4-FFF2-40B4-BE49-F238E27FC236}">
-                <a16:creationId xmlns:a16="http://schemas.microsoft.com/office/drawing/2014/main" id="{8C0CF8C4-22AF-DABD-1277-980378175AE1}"/>
-              </a:ext>
-            </a:extLst>
-          </p:cNvPr>
+            <a:endParaRPr lang="en-US" dirty="0"/>
+          </a:p>
+        </p:txBody>
+      </p:sp>
+      <p:sp>
+        <p:nvSpPr>
+          <p:cNvPr id="4" name="Date Placeholder 3"/>
           <p:cNvSpPr>
             <a:spLocks noGrp="1"/>
           </p:cNvSpPr>
@@ -3713,8 +3351,8 @@
         </p:nvSpPr>
         <p:spPr>
           <a:xfrm>
-            <a:off x="838200" y="6356350"/>
-            <a:ext cx="2743200" cy="365125"/>
+            <a:off x="494953" y="6356352"/>
+            <a:ext cx="1619845" cy="365125"/>
           </a:xfrm>
           <a:prstGeom prst="rect">
             <a:avLst/>
@@ -3724,7 +3362,7 @@
           <a:bodyPr vert="horz" lIns="91440" tIns="45720" rIns="91440" bIns="45720" rtlCol="0" anchor="ctr"/>
           <a:lstStyle>
             <a:lvl1pPr algn="l">
-              <a:defRPr sz="1200">
+              <a:defRPr sz="945">
                 <a:solidFill>
                   <a:schemeClr val="tx1">
                     <a:tint val="82000"/>
@@ -3736,7 +3374,7 @@
           <a:p>
             <a:fld id="{7E97486E-EFCC-6E4E-8429-F68F2452DBD2}" type="datetimeFigureOut">
               <a:rPr lang="en-US" smtClean="0"/>
-              <a:t>12/2/25</a:t>
+              <a:t>12/3/25</a:t>
             </a:fld>
             <a:endParaRPr lang="en-US"/>
           </a:p>
@@ -3744,13 +3382,7 @@
       </p:sp>
       <p:sp>
         <p:nvSpPr>
-          <p:cNvPr id="5" name="Footer Placeholder 4">
-            <a:extLst>
-              <a:ext uri="{FF2B5EF4-FFF2-40B4-BE49-F238E27FC236}">
-                <a16:creationId xmlns:a16="http://schemas.microsoft.com/office/drawing/2014/main" id="{D5B39753-B2FB-EAB4-4A93-F30D38C8432A}"/>
-              </a:ext>
-            </a:extLst>
-          </p:cNvPr>
+          <p:cNvPr id="5" name="Footer Placeholder 4"/>
           <p:cNvSpPr>
             <a:spLocks noGrp="1"/>
           </p:cNvSpPr>
@@ -3760,8 +3392,8 @@
         </p:nvSpPr>
         <p:spPr>
           <a:xfrm>
-            <a:off x="4038600" y="6356350"/>
-            <a:ext cx="4114800" cy="365125"/>
+            <a:off x="2384773" y="6356352"/>
+            <a:ext cx="2429768" cy="365125"/>
           </a:xfrm>
           <a:prstGeom prst="rect">
             <a:avLst/>
@@ -3771,7 +3403,7 @@
           <a:bodyPr vert="horz" lIns="91440" tIns="45720" rIns="91440" bIns="45720" rtlCol="0" anchor="ctr"/>
           <a:lstStyle>
             <a:lvl1pPr algn="ctr">
-              <a:defRPr sz="1200">
+              <a:defRPr sz="945">
                 <a:solidFill>
                   <a:schemeClr val="tx1">
                     <a:tint val="82000"/>
@@ -3787,13 +3419,7 @@
       </p:sp>
       <p:sp>
         <p:nvSpPr>
-          <p:cNvPr id="6" name="Slide Number Placeholder 5">
-            <a:extLst>
-              <a:ext uri="{FF2B5EF4-FFF2-40B4-BE49-F238E27FC236}">
-                <a16:creationId xmlns:a16="http://schemas.microsoft.com/office/drawing/2014/main" id="{7E418783-F3E9-8E37-56DE-506FB49DF57B}"/>
-              </a:ext>
-            </a:extLst>
-          </p:cNvPr>
+          <p:cNvPr id="6" name="Slide Number Placeholder 5"/>
           <p:cNvSpPr>
             <a:spLocks noGrp="1"/>
           </p:cNvSpPr>
@@ -3803,8 +3429,8 @@
         </p:nvSpPr>
         <p:spPr>
           <a:xfrm>
-            <a:off x="8610600" y="6356350"/>
-            <a:ext cx="2743200" cy="365125"/>
+            <a:off x="5084515" y="6356352"/>
+            <a:ext cx="1619845" cy="365125"/>
           </a:xfrm>
           <a:prstGeom prst="rect">
             <a:avLst/>
@@ -3814,7 +3440,7 @@
           <a:bodyPr vert="horz" lIns="91440" tIns="45720" rIns="91440" bIns="45720" rtlCol="0" anchor="ctr"/>
           <a:lstStyle>
             <a:lvl1pPr algn="r">
-              <a:defRPr sz="1200">
+              <a:defRPr sz="945">
                 <a:solidFill>
                   <a:schemeClr val="tx1">
                     <a:tint val="82000"/>
@@ -3835,27 +3461,27 @@
     </p:spTree>
     <p:extLst>
       <p:ext uri="{BB962C8B-B14F-4D97-AF65-F5344CB8AC3E}">
-        <p14:creationId xmlns:p14="http://schemas.microsoft.com/office/powerpoint/2010/main" val="3802173922"/>
+        <p14:creationId xmlns:p14="http://schemas.microsoft.com/office/powerpoint/2010/main" val="4079356533"/>
       </p:ext>
     </p:extLst>
   </p:cSld>
   <p:clrMap bg1="lt1" tx1="dk1" bg2="lt2" tx2="dk2" accent1="accent1" accent2="accent2" accent3="accent3" accent4="accent4" accent5="accent5" accent6="accent6" hlink="hlink" folHlink="folHlink"/>
   <p:sldLayoutIdLst>
-    <p:sldLayoutId id="2147483649" r:id="rId1"/>
-    <p:sldLayoutId id="2147483650" r:id="rId2"/>
-    <p:sldLayoutId id="2147483651" r:id="rId3"/>
-    <p:sldLayoutId id="2147483652" r:id="rId4"/>
-    <p:sldLayoutId id="2147483653" r:id="rId5"/>
-    <p:sldLayoutId id="2147483654" r:id="rId6"/>
-    <p:sldLayoutId id="2147483655" r:id="rId7"/>
-    <p:sldLayoutId id="2147483656" r:id="rId8"/>
-    <p:sldLayoutId id="2147483657" r:id="rId9"/>
-    <p:sldLayoutId id="2147483658" r:id="rId10"/>
-    <p:sldLayoutId id="2147483659" r:id="rId11"/>
+    <p:sldLayoutId id="2147483661" r:id="rId1"/>
+    <p:sldLayoutId id="2147483662" r:id="rId2"/>
+    <p:sldLayoutId id="2147483663" r:id="rId3"/>
+    <p:sldLayoutId id="2147483664" r:id="rId4"/>
+    <p:sldLayoutId id="2147483665" r:id="rId5"/>
+    <p:sldLayoutId id="2147483666" r:id="rId6"/>
+    <p:sldLayoutId id="2147483667" r:id="rId7"/>
+    <p:sldLayoutId id="2147483668" r:id="rId8"/>
+    <p:sldLayoutId id="2147483669" r:id="rId9"/>
+    <p:sldLayoutId id="2147483670" r:id="rId10"/>
+    <p:sldLayoutId id="2147483671" r:id="rId11"/>
   </p:sldLayoutIdLst>
   <p:txStyles>
     <p:titleStyle>
-      <a:lvl1pPr algn="l" defTabSz="914400" rtl="0" eaLnBrk="1" latinLnBrk="0" hangingPunct="1">
+      <a:lvl1pPr algn="l" defTabSz="719907" rtl="0" eaLnBrk="1" latinLnBrk="0" hangingPunct="1">
         <a:lnSpc>
           <a:spcPct val="90000"/>
         </a:lnSpc>
@@ -3863,7 +3489,7 @@
           <a:spcPct val="0"/>
         </a:spcBef>
         <a:buNone/>
-        <a:defRPr sz="4400" kern="1200">
+        <a:defRPr sz="3464" kern="1200">
           <a:solidFill>
             <a:schemeClr val="tx1"/>
           </a:solidFill>
@@ -3874,16 +3500,16 @@
       </a:lvl1pPr>
     </p:titleStyle>
     <p:bodyStyle>
-      <a:lvl1pPr marL="228600" indent="-228600" algn="l" defTabSz="914400" rtl="0" eaLnBrk="1" latinLnBrk="0" hangingPunct="1">
+      <a:lvl1pPr marL="179977" indent="-179977" algn="l" defTabSz="719907" rtl="0" eaLnBrk="1" latinLnBrk="0" hangingPunct="1">
         <a:lnSpc>
           <a:spcPct val="90000"/>
         </a:lnSpc>
         <a:spcBef>
-          <a:spcPts val="1000"/>
+          <a:spcPts val="787"/>
         </a:spcBef>
         <a:buFont typeface="Arial" panose="020B0604020202020204" pitchFamily="34" charset="0"/>
         <a:buChar char="•"/>
-        <a:defRPr sz="2800" kern="1200">
+        <a:defRPr sz="2204" kern="1200">
           <a:solidFill>
             <a:schemeClr val="tx1"/>
           </a:solidFill>
@@ -3892,16 +3518,16 @@
           <a:cs typeface="+mn-cs"/>
         </a:defRPr>
       </a:lvl1pPr>
-      <a:lvl2pPr marL="685800" indent="-228600" algn="l" defTabSz="914400" rtl="0" eaLnBrk="1" latinLnBrk="0" hangingPunct="1">
+      <a:lvl2pPr marL="539930" indent="-179977" algn="l" defTabSz="719907" rtl="0" eaLnBrk="1" latinLnBrk="0" hangingPunct="1">
         <a:lnSpc>
           <a:spcPct val="90000"/>
         </a:lnSpc>
         <a:spcBef>
-          <a:spcPts val="500"/>
+          <a:spcPts val="394"/>
         </a:spcBef>
         <a:buFont typeface="Arial" panose="020B0604020202020204" pitchFamily="34" charset="0"/>
         <a:buChar char="•"/>
-        <a:defRPr sz="2400" kern="1200">
+        <a:defRPr sz="1890" kern="1200">
           <a:solidFill>
             <a:schemeClr val="tx1"/>
           </a:solidFill>
@@ -3910,16 +3536,16 @@
           <a:cs typeface="+mn-cs"/>
         </a:defRPr>
       </a:lvl2pPr>
-      <a:lvl3pPr marL="1143000" indent="-228600" algn="l" defTabSz="914400" rtl="0" eaLnBrk="1" latinLnBrk="0" hangingPunct="1">
+      <a:lvl3pPr marL="899884" indent="-179977" algn="l" defTabSz="719907" rtl="0" eaLnBrk="1" latinLnBrk="0" hangingPunct="1">
         <a:lnSpc>
           <a:spcPct val="90000"/>
         </a:lnSpc>
         <a:spcBef>
-          <a:spcPts val="500"/>
+          <a:spcPts val="394"/>
         </a:spcBef>
         <a:buFont typeface="Arial" panose="020B0604020202020204" pitchFamily="34" charset="0"/>
         <a:buChar char="•"/>
-        <a:defRPr sz="2000" kern="1200">
+        <a:defRPr sz="1575" kern="1200">
           <a:solidFill>
             <a:schemeClr val="tx1"/>
           </a:solidFill>
@@ -3928,16 +3554,16 @@
           <a:cs typeface="+mn-cs"/>
         </a:defRPr>
       </a:lvl3pPr>
-      <a:lvl4pPr marL="1600200" indent="-228600" algn="l" defTabSz="914400" rtl="0" eaLnBrk="1" latinLnBrk="0" hangingPunct="1">
+      <a:lvl4pPr marL="1259837" indent="-179977" algn="l" defTabSz="719907" rtl="0" eaLnBrk="1" latinLnBrk="0" hangingPunct="1">
         <a:lnSpc>
           <a:spcPct val="90000"/>
         </a:lnSpc>
         <a:spcBef>
-          <a:spcPts val="500"/>
+          <a:spcPts val="394"/>
         </a:spcBef>
         <a:buFont typeface="Arial" panose="020B0604020202020204" pitchFamily="34" charset="0"/>
         <a:buChar char="•"/>
-        <a:defRPr sz="1800" kern="1200">
+        <a:defRPr sz="1417" kern="1200">
           <a:solidFill>
             <a:schemeClr val="tx1"/>
           </a:solidFill>
@@ -3946,16 +3572,16 @@
           <a:cs typeface="+mn-cs"/>
         </a:defRPr>
       </a:lvl4pPr>
-      <a:lvl5pPr marL="2057400" indent="-228600" algn="l" defTabSz="914400" rtl="0" eaLnBrk="1" latinLnBrk="0" hangingPunct="1">
+      <a:lvl5pPr marL="1619791" indent="-179977" algn="l" defTabSz="719907" rtl="0" eaLnBrk="1" latinLnBrk="0" hangingPunct="1">
         <a:lnSpc>
           <a:spcPct val="90000"/>
         </a:lnSpc>
         <a:spcBef>
-          <a:spcPts val="500"/>
+          <a:spcPts val="394"/>
         </a:spcBef>
         <a:buFont typeface="Arial" panose="020B0604020202020204" pitchFamily="34" charset="0"/>
         <a:buChar char="•"/>
-        <a:defRPr sz="1800" kern="1200">
+        <a:defRPr sz="1417" kern="1200">
           <a:solidFill>
             <a:schemeClr val="tx1"/>
           </a:solidFill>
@@ -3964,16 +3590,16 @@
           <a:cs typeface="+mn-cs"/>
         </a:defRPr>
       </a:lvl5pPr>
-      <a:lvl6pPr marL="2514600" indent="-228600" algn="l" defTabSz="914400" rtl="0" eaLnBrk="1" latinLnBrk="0" hangingPunct="1">
+      <a:lvl6pPr marL="1979745" indent="-179977" algn="l" defTabSz="719907" rtl="0" eaLnBrk="1" latinLnBrk="0" hangingPunct="1">
         <a:lnSpc>
           <a:spcPct val="90000"/>
         </a:lnSpc>
         <a:spcBef>
-          <a:spcPts val="500"/>
+          <a:spcPts val="394"/>
         </a:spcBef>
         <a:buFont typeface="Arial" panose="020B0604020202020204" pitchFamily="34" charset="0"/>
         <a:buChar char="•"/>
-        <a:defRPr sz="1800" kern="1200">
+        <a:defRPr sz="1417" kern="1200">
           <a:solidFill>
             <a:schemeClr val="tx1"/>
           </a:solidFill>
@@ -3982,16 +3608,16 @@
           <a:cs typeface="+mn-cs"/>
         </a:defRPr>
       </a:lvl6pPr>
-      <a:lvl7pPr marL="2971800" indent="-228600" algn="l" defTabSz="914400" rtl="0" eaLnBrk="1" latinLnBrk="0" hangingPunct="1">
+      <a:lvl7pPr marL="2339698" indent="-179977" algn="l" defTabSz="719907" rtl="0" eaLnBrk="1" latinLnBrk="0" hangingPunct="1">
         <a:lnSpc>
           <a:spcPct val="90000"/>
         </a:lnSpc>
         <a:spcBef>
-          <a:spcPts val="500"/>
+          <a:spcPts val="394"/>
         </a:spcBef>
         <a:buFont typeface="Arial" panose="020B0604020202020204" pitchFamily="34" charset="0"/>
         <a:buChar char="•"/>
-        <a:defRPr sz="1800" kern="1200">
+        <a:defRPr sz="1417" kern="1200">
           <a:solidFill>
             <a:schemeClr val="tx1"/>
           </a:solidFill>
@@ -4000,16 +3626,16 @@
           <a:cs typeface="+mn-cs"/>
         </a:defRPr>
       </a:lvl7pPr>
-      <a:lvl8pPr marL="3429000" indent="-228600" algn="l" defTabSz="914400" rtl="0" eaLnBrk="1" latinLnBrk="0" hangingPunct="1">
+      <a:lvl8pPr marL="2699652" indent="-179977" algn="l" defTabSz="719907" rtl="0" eaLnBrk="1" latinLnBrk="0" hangingPunct="1">
         <a:lnSpc>
           <a:spcPct val="90000"/>
         </a:lnSpc>
         <a:spcBef>
-          <a:spcPts val="500"/>
+          <a:spcPts val="394"/>
         </a:spcBef>
         <a:buFont typeface="Arial" panose="020B0604020202020204" pitchFamily="34" charset="0"/>
         <a:buChar char="•"/>
-        <a:defRPr sz="1800" kern="1200">
+        <a:defRPr sz="1417" kern="1200">
           <a:solidFill>
             <a:schemeClr val="tx1"/>
           </a:solidFill>
@@ -4018,16 +3644,16 @@
           <a:cs typeface="+mn-cs"/>
         </a:defRPr>
       </a:lvl8pPr>
-      <a:lvl9pPr marL="3886200" indent="-228600" algn="l" defTabSz="914400" rtl="0" eaLnBrk="1" latinLnBrk="0" hangingPunct="1">
+      <a:lvl9pPr marL="3059605" indent="-179977" algn="l" defTabSz="719907" rtl="0" eaLnBrk="1" latinLnBrk="0" hangingPunct="1">
         <a:lnSpc>
           <a:spcPct val="90000"/>
         </a:lnSpc>
         <a:spcBef>
-          <a:spcPts val="500"/>
+          <a:spcPts val="394"/>
         </a:spcBef>
         <a:buFont typeface="Arial" panose="020B0604020202020204" pitchFamily="34" charset="0"/>
         <a:buChar char="•"/>
-        <a:defRPr sz="1800" kern="1200">
+        <a:defRPr sz="1417" kern="1200">
           <a:solidFill>
             <a:schemeClr val="tx1"/>
           </a:solidFill>
@@ -4041,8 +3667,8 @@
       <a:defPPr>
         <a:defRPr lang="en-US"/>
       </a:defPPr>
-      <a:lvl1pPr marL="0" algn="l" defTabSz="914400" rtl="0" eaLnBrk="1" latinLnBrk="0" hangingPunct="1">
-        <a:defRPr sz="1800" kern="1200">
+      <a:lvl1pPr marL="0" algn="l" defTabSz="719907" rtl="0" eaLnBrk="1" latinLnBrk="0" hangingPunct="1">
+        <a:defRPr sz="1417" kern="1200">
           <a:solidFill>
             <a:schemeClr val="tx1"/>
           </a:solidFill>
@@ -4051,8 +3677,8 @@
           <a:cs typeface="+mn-cs"/>
         </a:defRPr>
       </a:lvl1pPr>
-      <a:lvl2pPr marL="457200" algn="l" defTabSz="914400" rtl="0" eaLnBrk="1" latinLnBrk="0" hangingPunct="1">
-        <a:defRPr sz="1800" kern="1200">
+      <a:lvl2pPr marL="359954" algn="l" defTabSz="719907" rtl="0" eaLnBrk="1" latinLnBrk="0" hangingPunct="1">
+        <a:defRPr sz="1417" kern="1200">
           <a:solidFill>
             <a:schemeClr val="tx1"/>
           </a:solidFill>
@@ -4061,8 +3687,8 @@
           <a:cs typeface="+mn-cs"/>
         </a:defRPr>
       </a:lvl2pPr>
-      <a:lvl3pPr marL="914400" algn="l" defTabSz="914400" rtl="0" eaLnBrk="1" latinLnBrk="0" hangingPunct="1">
-        <a:defRPr sz="1800" kern="1200">
+      <a:lvl3pPr marL="719907" algn="l" defTabSz="719907" rtl="0" eaLnBrk="1" latinLnBrk="0" hangingPunct="1">
+        <a:defRPr sz="1417" kern="1200">
           <a:solidFill>
             <a:schemeClr val="tx1"/>
           </a:solidFill>
@@ -4071,8 +3697,8 @@
           <a:cs typeface="+mn-cs"/>
         </a:defRPr>
       </a:lvl3pPr>
-      <a:lvl4pPr marL="1371600" algn="l" defTabSz="914400" rtl="0" eaLnBrk="1" latinLnBrk="0" hangingPunct="1">
-        <a:defRPr sz="1800" kern="1200">
+      <a:lvl4pPr marL="1079861" algn="l" defTabSz="719907" rtl="0" eaLnBrk="1" latinLnBrk="0" hangingPunct="1">
+        <a:defRPr sz="1417" kern="1200">
           <a:solidFill>
             <a:schemeClr val="tx1"/>
           </a:solidFill>
@@ -4081,8 +3707,8 @@
           <a:cs typeface="+mn-cs"/>
         </a:defRPr>
       </a:lvl4pPr>
-      <a:lvl5pPr marL="1828800" algn="l" defTabSz="914400" rtl="0" eaLnBrk="1" latinLnBrk="0" hangingPunct="1">
-        <a:defRPr sz="1800" kern="1200">
+      <a:lvl5pPr marL="1439814" algn="l" defTabSz="719907" rtl="0" eaLnBrk="1" latinLnBrk="0" hangingPunct="1">
+        <a:defRPr sz="1417" kern="1200">
           <a:solidFill>
             <a:schemeClr val="tx1"/>
           </a:solidFill>
@@ -4091,8 +3717,8 @@
           <a:cs typeface="+mn-cs"/>
         </a:defRPr>
       </a:lvl5pPr>
-      <a:lvl6pPr marL="2286000" algn="l" defTabSz="914400" rtl="0" eaLnBrk="1" latinLnBrk="0" hangingPunct="1">
-        <a:defRPr sz="1800" kern="1200">
+      <a:lvl6pPr marL="1799768" algn="l" defTabSz="719907" rtl="0" eaLnBrk="1" latinLnBrk="0" hangingPunct="1">
+        <a:defRPr sz="1417" kern="1200">
           <a:solidFill>
             <a:schemeClr val="tx1"/>
           </a:solidFill>
@@ -4101,8 +3727,8 @@
           <a:cs typeface="+mn-cs"/>
         </a:defRPr>
       </a:lvl6pPr>
-      <a:lvl7pPr marL="2743200" algn="l" defTabSz="914400" rtl="0" eaLnBrk="1" latinLnBrk="0" hangingPunct="1">
-        <a:defRPr sz="1800" kern="1200">
+      <a:lvl7pPr marL="2159721" algn="l" defTabSz="719907" rtl="0" eaLnBrk="1" latinLnBrk="0" hangingPunct="1">
+        <a:defRPr sz="1417" kern="1200">
           <a:solidFill>
             <a:schemeClr val="tx1"/>
           </a:solidFill>
@@ -4111,8 +3737,8 @@
           <a:cs typeface="+mn-cs"/>
         </a:defRPr>
       </a:lvl7pPr>
-      <a:lvl8pPr marL="3200400" algn="l" defTabSz="914400" rtl="0" eaLnBrk="1" latinLnBrk="0" hangingPunct="1">
-        <a:defRPr sz="1800" kern="1200">
+      <a:lvl8pPr marL="2519675" algn="l" defTabSz="719907" rtl="0" eaLnBrk="1" latinLnBrk="0" hangingPunct="1">
+        <a:defRPr sz="1417" kern="1200">
           <a:solidFill>
             <a:schemeClr val="tx1"/>
           </a:solidFill>
@@ -4121,8 +3747,8 @@
           <a:cs typeface="+mn-cs"/>
         </a:defRPr>
       </a:lvl8pPr>
-      <a:lvl9pPr marL="3657600" algn="l" defTabSz="914400" rtl="0" eaLnBrk="1" latinLnBrk="0" hangingPunct="1">
-        <a:defRPr sz="1800" kern="1200">
+      <a:lvl9pPr marL="2879628" algn="l" defTabSz="719907" rtl="0" eaLnBrk="1" latinLnBrk="0" hangingPunct="1">
+        <a:defRPr sz="1417" kern="1200">
           <a:solidFill>
             <a:schemeClr val="tx1"/>
           </a:solidFill>
@@ -4167,7 +3793,7 @@
         </p:nvSpPr>
         <p:spPr>
           <a:xfrm>
-            <a:off x="1718777" y="270627"/>
+            <a:off x="1203633" y="727827"/>
             <a:ext cx="169333" cy="383822"/>
           </a:xfrm>
           <a:prstGeom prst="leftBracket">
@@ -4211,7 +3837,7 @@
         </p:nvSpPr>
         <p:spPr>
           <a:xfrm flipH="1">
-            <a:off x="2808156" y="270627"/>
+            <a:off x="2293013" y="727827"/>
             <a:ext cx="169333" cy="383822"/>
           </a:xfrm>
           <a:prstGeom prst="leftBracket">
@@ -4254,13 +3880,13 @@
           <p:nvPr>
             <p:extLst>
               <p:ext uri="{D42A27DB-BD31-4B8C-83A1-F6EECF244321}">
-                <p14:modId xmlns:p14="http://schemas.microsoft.com/office/powerpoint/2010/main" val="362931465"/>
+                <p14:modId xmlns:p14="http://schemas.microsoft.com/office/powerpoint/2010/main" val="683899387"/>
               </p:ext>
             </p:extLst>
           </p:nvPr>
         </p:nvGraphicFramePr>
         <p:xfrm>
-          <a:off x="801817" y="3391908"/>
+          <a:off x="286673" y="3671308"/>
           <a:ext cx="3337362" cy="2413498"/>
         </p:xfrm>
         <a:graphic>
@@ -4283,7 +3909,7 @@
         </p:nvSpPr>
         <p:spPr>
           <a:xfrm>
-            <a:off x="1751730" y="270627"/>
+            <a:off x="1300056" y="727827"/>
             <a:ext cx="1279795" cy="369332"/>
           </a:xfrm>
           <a:prstGeom prst="rect">
@@ -4320,8 +3946,197 @@
         </p:nvCxnSpPr>
         <p:spPr>
           <a:xfrm>
-            <a:off x="4323254" y="4569696"/>
-            <a:ext cx="819701" cy="0"/>
+            <a:off x="3592177" y="5040853"/>
+            <a:ext cx="777600" cy="0"/>
+          </a:xfrm>
+          <a:prstGeom prst="straightConnector1">
+            <a:avLst/>
+          </a:prstGeom>
+          <a:ln w="76200">
+            <a:solidFill>
+              <a:schemeClr val="accent6"/>
+            </a:solidFill>
+            <a:tailEnd type="triangle"/>
+          </a:ln>
+        </p:spPr>
+        <p:style>
+          <a:lnRef idx="2">
+            <a:schemeClr val="accent1"/>
+          </a:lnRef>
+          <a:fillRef idx="0">
+            <a:schemeClr val="accent1"/>
+          </a:fillRef>
+          <a:effectRef idx="1">
+            <a:schemeClr val="accent1"/>
+          </a:effectRef>
+          <a:fontRef idx="minor">
+            <a:schemeClr val="tx1"/>
+          </a:fontRef>
+        </p:style>
+      </p:cxnSp>
+      <p:sp>
+        <p:nvSpPr>
+          <p:cNvPr id="36" name="TextBox 35">
+            <a:extLst>
+              <a:ext uri="{FF2B5EF4-FFF2-40B4-BE49-F238E27FC236}">
+                <a16:creationId xmlns:a16="http://schemas.microsoft.com/office/drawing/2014/main" id="{93D34743-2562-03EA-1813-245ACD40CFAA}"/>
+              </a:ext>
+            </a:extLst>
+          </p:cNvPr>
+          <p:cNvSpPr txBox="1"/>
+          <p:nvPr/>
+        </p:nvSpPr>
+        <p:spPr>
+          <a:xfrm>
+            <a:off x="911445" y="5900228"/>
+            <a:ext cx="2201109" cy="378886"/>
+          </a:xfrm>
+          <a:prstGeom prst="rect">
+            <a:avLst/>
+          </a:prstGeom>
+          <a:noFill/>
+        </p:spPr>
+        <p:txBody>
+          <a:bodyPr wrap="square">
+            <a:spAutoFit/>
+          </a:bodyPr>
+          <a:lstStyle/>
+          <a:p>
+            <a:pPr algn="ctr" rtl="0">
+              <a:defRPr sz="1862" b="0" i="0" u="none" strike="noStrike" kern="1200" spc="0" baseline="0">
+                <a:solidFill>
+                  <a:prstClr val="black">
+                    <a:lumMod val="65000"/>
+                    <a:lumOff val="35000"/>
+                  </a:prstClr>
+                </a:solidFill>
+                <a:latin typeface="+mn-lt"/>
+                <a:ea typeface="+mn-ea"/>
+                <a:cs typeface="+mn-cs"/>
+              </a:defRPr>
+            </a:pPr>
+            <a:r>
+              <a:rPr lang="en-US" sz="1862" dirty="0"/>
+              <a:t># of Excitations</a:t>
+            </a:r>
+          </a:p>
+        </p:txBody>
+      </p:sp>
+      <p:sp>
+        <p:nvSpPr>
+          <p:cNvPr id="37" name="TextBox 36">
+            <a:extLst>
+              <a:ext uri="{FF2B5EF4-FFF2-40B4-BE49-F238E27FC236}">
+                <a16:creationId xmlns:a16="http://schemas.microsoft.com/office/drawing/2014/main" id="{C781D6DB-EC57-003F-F226-41B6FDFC0E82}"/>
+              </a:ext>
+            </a:extLst>
+          </p:cNvPr>
+          <p:cNvSpPr txBox="1"/>
+          <p:nvPr/>
+        </p:nvSpPr>
+        <p:spPr>
+          <a:xfrm rot="16200000">
+            <a:off x="-2099108" y="4524625"/>
+            <a:ext cx="4574041" cy="378886"/>
+          </a:xfrm>
+          <a:prstGeom prst="rect">
+            <a:avLst/>
+          </a:prstGeom>
+          <a:noFill/>
+        </p:spPr>
+        <p:txBody>
+          <a:bodyPr wrap="square">
+            <a:spAutoFit/>
+          </a:bodyPr>
+          <a:lstStyle/>
+          <a:p>
+            <a:pPr algn="ctr" rtl="0">
+              <a:defRPr sz="1862" b="0" i="0" u="none" strike="noStrike" kern="1200" spc="0" baseline="0">
+                <a:solidFill>
+                  <a:prstClr val="black">
+                    <a:lumMod val="65000"/>
+                    <a:lumOff val="35000"/>
+                  </a:prstClr>
+                </a:solidFill>
+                <a:latin typeface="+mn-lt"/>
+                <a:ea typeface="+mn-ea"/>
+                <a:cs typeface="+mn-cs"/>
+              </a:defRPr>
+            </a:pPr>
+            <a:r>
+              <a:rPr lang="en-US" sz="1862" dirty="0"/>
+              <a:t>Probability</a:t>
+            </a:r>
+          </a:p>
+        </p:txBody>
+      </p:sp>
+      <p:sp>
+        <p:nvSpPr>
+          <p:cNvPr id="40" name="Cube 39">
+            <a:extLst>
+              <a:ext uri="{FF2B5EF4-FFF2-40B4-BE49-F238E27FC236}">
+                <a16:creationId xmlns:a16="http://schemas.microsoft.com/office/drawing/2014/main" id="{3B255093-B0F5-E857-E004-99C0CE2BB4EC}"/>
+              </a:ext>
+            </a:extLst>
+          </p:cNvPr>
+          <p:cNvSpPr/>
+          <p:nvPr/>
+        </p:nvSpPr>
+        <p:spPr>
+          <a:xfrm>
+            <a:off x="4692193" y="4376804"/>
+            <a:ext cx="1557348" cy="1299410"/>
+          </a:xfrm>
+          <a:prstGeom prst="cube">
+            <a:avLst/>
+          </a:prstGeom>
+        </p:spPr>
+        <p:style>
+          <a:lnRef idx="2">
+            <a:schemeClr val="accent1">
+              <a:shade val="15000"/>
+            </a:schemeClr>
+          </a:lnRef>
+          <a:fillRef idx="1">
+            <a:schemeClr val="accent1"/>
+          </a:fillRef>
+          <a:effectRef idx="0">
+            <a:schemeClr val="accent1"/>
+          </a:effectRef>
+          <a:fontRef idx="minor">
+            <a:schemeClr val="lt1"/>
+          </a:fontRef>
+        </p:style>
+        <p:txBody>
+          <a:bodyPr rtlCol="0" anchor="ctr"/>
+          <a:lstStyle/>
+          <a:p>
+            <a:pPr algn="ctr"/>
+            <a:r>
+              <a:rPr lang="en-US" dirty="0"/>
+              <a:t>SVM</a:t>
+            </a:r>
+          </a:p>
+        </p:txBody>
+      </p:sp>
+      <p:cxnSp>
+        <p:nvCxnSpPr>
+          <p:cNvPr id="28" name="Straight Arrow Connector 27">
+            <a:extLst>
+              <a:ext uri="{FF2B5EF4-FFF2-40B4-BE49-F238E27FC236}">
+                <a16:creationId xmlns:a16="http://schemas.microsoft.com/office/drawing/2014/main" id="{A1E99053-D334-1759-1C17-7911BCBA0EB3}"/>
+              </a:ext>
+            </a:extLst>
+          </p:cNvPr>
+          <p:cNvCxnSpPr>
+            <a:cxnSpLocks/>
+          </p:cNvCxnSpPr>
+          <p:nvPr/>
+        </p:nvCxnSpPr>
+        <p:spPr>
+          <a:xfrm>
+            <a:off x="1752307" y="3825145"/>
+            <a:ext cx="0" cy="777600"/>
           </a:xfrm>
           <a:prstGeom prst="straightConnector1">
             <a:avLst/>
@@ -4350,10 +4165,10 @@
       </p:cxnSp>
       <p:cxnSp>
         <p:nvCxnSpPr>
-          <p:cNvPr id="19" name="Curved Connector 18">
+          <p:cNvPr id="31" name="Straight Arrow Connector 30">
             <a:extLst>
               <a:ext uri="{FF2B5EF4-FFF2-40B4-BE49-F238E27FC236}">
-                <a16:creationId xmlns:a16="http://schemas.microsoft.com/office/drawing/2014/main" id="{901419F7-1CBB-13E7-6584-5FF8E64147C1}"/>
+                <a16:creationId xmlns:a16="http://schemas.microsoft.com/office/drawing/2014/main" id="{0369FDBC-258B-94E4-4F33-2177467D490E}"/>
               </a:ext>
             </a:extLst>
           </p:cNvPr>
@@ -4363,782 +4178,9 @@
           <p:nvPr/>
         </p:nvCxnSpPr>
         <p:spPr>
-          <a:xfrm rot="16200000" flipV="1">
-            <a:off x="2136213" y="1594989"/>
-            <a:ext cx="1398739" cy="829551"/>
-          </a:xfrm>
-          <a:prstGeom prst="curvedConnector3">
-            <a:avLst/>
-          </a:prstGeom>
-          <a:ln>
-            <a:solidFill>
-              <a:schemeClr val="bg2"/>
-            </a:solidFill>
-          </a:ln>
-        </p:spPr>
-        <p:style>
-          <a:lnRef idx="2">
-            <a:schemeClr val="accent1"/>
-          </a:lnRef>
-          <a:fillRef idx="0">
-            <a:schemeClr val="accent1"/>
-          </a:fillRef>
-          <a:effectRef idx="1">
-            <a:schemeClr val="accent1"/>
-          </a:effectRef>
-          <a:fontRef idx="minor">
-            <a:schemeClr val="tx1"/>
-          </a:fontRef>
-        </p:style>
-      </p:cxnSp>
-      <p:sp>
-        <p:nvSpPr>
-          <p:cNvPr id="23" name="TextBox 22">
-            <a:extLst>
-              <a:ext uri="{FF2B5EF4-FFF2-40B4-BE49-F238E27FC236}">
-                <a16:creationId xmlns:a16="http://schemas.microsoft.com/office/drawing/2014/main" id="{D3E48B30-0FDB-DF99-264D-BBAF1066970B}"/>
-              </a:ext>
-            </a:extLst>
-          </p:cNvPr>
-          <p:cNvSpPr txBox="1"/>
-          <p:nvPr/>
-        </p:nvSpPr>
-        <p:spPr>
-          <a:xfrm>
-            <a:off x="2314507" y="853133"/>
-            <a:ext cx="933059" cy="369332"/>
-          </a:xfrm>
-          <a:prstGeom prst="rect">
-            <a:avLst/>
-          </a:prstGeom>
-          <a:noFill/>
-        </p:spPr>
-        <p:txBody>
-          <a:bodyPr wrap="square" rtlCol="0">
-            <a:spAutoFit/>
-          </a:bodyPr>
-          <a:lstStyle/>
-          <a:p>
-            <a:r>
-              <a:rPr lang="en-US" dirty="0"/>
-              <a:t>Encode</a:t>
-            </a:r>
-          </a:p>
-        </p:txBody>
-      </p:sp>
-      <p:sp>
-        <p:nvSpPr>
-          <p:cNvPr id="36" name="TextBox 35">
-            <a:extLst>
-              <a:ext uri="{FF2B5EF4-FFF2-40B4-BE49-F238E27FC236}">
-                <a16:creationId xmlns:a16="http://schemas.microsoft.com/office/drawing/2014/main" id="{93D34743-2562-03EA-1813-245ACD40CFAA}"/>
-              </a:ext>
-            </a:extLst>
-          </p:cNvPr>
-          <p:cNvSpPr txBox="1"/>
-          <p:nvPr/>
-        </p:nvSpPr>
-        <p:spPr>
-          <a:xfrm>
-            <a:off x="1490131" y="5677548"/>
-            <a:ext cx="2201109" cy="378886"/>
-          </a:xfrm>
-          <a:prstGeom prst="rect">
-            <a:avLst/>
-          </a:prstGeom>
-          <a:noFill/>
-        </p:spPr>
-        <p:txBody>
-          <a:bodyPr wrap="square">
-            <a:spAutoFit/>
-          </a:bodyPr>
-          <a:lstStyle/>
-          <a:p>
-            <a:pPr algn="ctr" rtl="0">
-              <a:defRPr sz="1862" b="0" i="0" u="none" strike="noStrike" kern="1200" spc="0" baseline="0">
-                <a:solidFill>
-                  <a:prstClr val="black">
-                    <a:lumMod val="65000"/>
-                    <a:lumOff val="35000"/>
-                  </a:prstClr>
-                </a:solidFill>
-                <a:latin typeface="+mn-lt"/>
-                <a:ea typeface="+mn-ea"/>
-                <a:cs typeface="+mn-cs"/>
-              </a:defRPr>
-            </a:pPr>
-            <a:r>
-              <a:rPr lang="en-US" dirty="0"/>
-              <a:t># of Excitations</a:t>
-            </a:r>
-          </a:p>
-        </p:txBody>
-      </p:sp>
-      <p:sp>
-        <p:nvSpPr>
-          <p:cNvPr id="37" name="TextBox 36">
-            <a:extLst>
-              <a:ext uri="{FF2B5EF4-FFF2-40B4-BE49-F238E27FC236}">
-                <a16:creationId xmlns:a16="http://schemas.microsoft.com/office/drawing/2014/main" id="{C781D6DB-EC57-003F-F226-41B6FDFC0E82}"/>
-              </a:ext>
-            </a:extLst>
-          </p:cNvPr>
-          <p:cNvSpPr txBox="1"/>
-          <p:nvPr/>
-        </p:nvSpPr>
-        <p:spPr>
-          <a:xfrm rot="16200000">
-            <a:off x="-1604144" y="4380253"/>
-            <a:ext cx="4574041" cy="378886"/>
-          </a:xfrm>
-          <a:prstGeom prst="rect">
-            <a:avLst/>
-          </a:prstGeom>
-          <a:noFill/>
-        </p:spPr>
-        <p:txBody>
-          <a:bodyPr wrap="square">
-            <a:spAutoFit/>
-          </a:bodyPr>
-          <a:lstStyle/>
-          <a:p>
-            <a:pPr algn="ctr" rtl="0">
-              <a:defRPr sz="1862" b="0" i="0" u="none" strike="noStrike" kern="1200" spc="0" baseline="0">
-                <a:solidFill>
-                  <a:prstClr val="black">
-                    <a:lumMod val="65000"/>
-                    <a:lumOff val="35000"/>
-                  </a:prstClr>
-                </a:solidFill>
-                <a:latin typeface="+mn-lt"/>
-                <a:ea typeface="+mn-ea"/>
-                <a:cs typeface="+mn-cs"/>
-              </a:defRPr>
-            </a:pPr>
-            <a:r>
-              <a:rPr lang="en-US" dirty="0"/>
-              <a:t>Probability</a:t>
-            </a:r>
-          </a:p>
-        </p:txBody>
-      </p:sp>
-      <p:sp>
-        <p:nvSpPr>
-          <p:cNvPr id="40" name="Cube 39">
-            <a:extLst>
-              <a:ext uri="{FF2B5EF4-FFF2-40B4-BE49-F238E27FC236}">
-                <a16:creationId xmlns:a16="http://schemas.microsoft.com/office/drawing/2014/main" id="{3B255093-B0F5-E857-E004-99C0CE2BB4EC}"/>
-              </a:ext>
-            </a:extLst>
-          </p:cNvPr>
-          <p:cNvSpPr/>
-          <p:nvPr/>
-        </p:nvSpPr>
-        <p:spPr>
-          <a:xfrm>
-            <a:off x="5317325" y="3883213"/>
-            <a:ext cx="1557348" cy="1299410"/>
-          </a:xfrm>
-          <a:prstGeom prst="cube">
-            <a:avLst/>
-          </a:prstGeom>
-        </p:spPr>
-        <p:style>
-          <a:lnRef idx="2">
-            <a:schemeClr val="accent1">
-              <a:shade val="15000"/>
-            </a:schemeClr>
-          </a:lnRef>
-          <a:fillRef idx="1">
-            <a:schemeClr val="accent1"/>
-          </a:fillRef>
-          <a:effectRef idx="0">
-            <a:schemeClr val="accent1"/>
-          </a:effectRef>
-          <a:fontRef idx="minor">
-            <a:schemeClr val="lt1"/>
-          </a:fontRef>
-        </p:style>
-        <p:txBody>
-          <a:bodyPr rtlCol="0" anchor="ctr"/>
-          <a:lstStyle/>
-          <a:p>
-            <a:pPr algn="ctr"/>
-            <a:r>
-              <a:rPr lang="en-US" dirty="0"/>
-              <a:t>SVM</a:t>
-            </a:r>
-          </a:p>
-        </p:txBody>
-      </p:sp>
-      <p:sp>
-        <p:nvSpPr>
-          <p:cNvPr id="41" name="TextBox 40">
-            <a:extLst>
-              <a:ext uri="{FF2B5EF4-FFF2-40B4-BE49-F238E27FC236}">
-                <a16:creationId xmlns:a16="http://schemas.microsoft.com/office/drawing/2014/main" id="{678C511A-EAAB-4517-4B79-2D8EAB747F72}"/>
-              </a:ext>
-            </a:extLst>
-          </p:cNvPr>
-          <p:cNvSpPr txBox="1"/>
-          <p:nvPr/>
-        </p:nvSpPr>
-        <p:spPr>
-          <a:xfrm>
-            <a:off x="4277090" y="4200364"/>
-            <a:ext cx="1289115" cy="369332"/>
-          </a:xfrm>
-          <a:prstGeom prst="rect">
-            <a:avLst/>
-          </a:prstGeom>
-          <a:noFill/>
-        </p:spPr>
-        <p:txBody>
-          <a:bodyPr wrap="square" rtlCol="0">
-            <a:spAutoFit/>
-          </a:bodyPr>
-          <a:lstStyle/>
-          <a:p>
-            <a:r>
-              <a:rPr lang="en-US" dirty="0"/>
-              <a:t>Train</a:t>
-            </a:r>
-          </a:p>
-        </p:txBody>
-      </p:sp>
-      <p:pic>
-        <p:nvPicPr>
-          <p:cNvPr id="2" name="Picture 1">
-            <a:extLst>
-              <a:ext uri="{FF2B5EF4-FFF2-40B4-BE49-F238E27FC236}">
-                <a16:creationId xmlns:a16="http://schemas.microsoft.com/office/drawing/2014/main" id="{F178CE82-F6C0-2E24-15E3-D928E13B99F4}"/>
-              </a:ext>
-            </a:extLst>
-          </p:cNvPr>
-          <p:cNvPicPr>
-            <a:picLocks noChangeAspect="1"/>
-          </p:cNvPicPr>
-          <p:nvPr/>
-        </p:nvPicPr>
-        <p:blipFill>
-          <a:blip r:embed="rId3"/>
-          <a:stretch>
-            <a:fillRect/>
-          </a:stretch>
-        </p:blipFill>
-        <p:spPr>
-          <a:xfrm>
-            <a:off x="5009611" y="398147"/>
-            <a:ext cx="2172775" cy="2329743"/>
-          </a:xfrm>
-          <a:prstGeom prst="rect">
-            <a:avLst/>
-          </a:prstGeom>
-        </p:spPr>
-      </p:pic>
-      <p:cxnSp>
-        <p:nvCxnSpPr>
-          <p:cNvPr id="13" name="Curved Connector 12">
-            <a:extLst>
-              <a:ext uri="{FF2B5EF4-FFF2-40B4-BE49-F238E27FC236}">
-                <a16:creationId xmlns:a16="http://schemas.microsoft.com/office/drawing/2014/main" id="{72384626-8122-81A7-BB3E-1B15E65332A3}"/>
-              </a:ext>
-            </a:extLst>
-          </p:cNvPr>
-          <p:cNvCxnSpPr>
-            <a:cxnSpLocks/>
-          </p:cNvCxnSpPr>
-          <p:nvPr/>
-        </p:nvCxnSpPr>
-        <p:spPr>
-          <a:xfrm rot="16200000" flipV="1">
-            <a:off x="2293007" y="1533903"/>
-            <a:ext cx="1398739" cy="829551"/>
-          </a:xfrm>
-          <a:prstGeom prst="curvedConnector3">
-            <a:avLst/>
-          </a:prstGeom>
-          <a:ln>
-            <a:solidFill>
-              <a:schemeClr val="bg2"/>
-            </a:solidFill>
-          </a:ln>
-        </p:spPr>
-        <p:style>
-          <a:lnRef idx="2">
-            <a:schemeClr val="accent1"/>
-          </a:lnRef>
-          <a:fillRef idx="0">
-            <a:schemeClr val="accent1"/>
-          </a:fillRef>
-          <a:effectRef idx="1">
-            <a:schemeClr val="accent1"/>
-          </a:effectRef>
-          <a:fontRef idx="minor">
-            <a:schemeClr val="tx1"/>
-          </a:fontRef>
-        </p:style>
-      </p:cxnSp>
-      <p:cxnSp>
-        <p:nvCxnSpPr>
-          <p:cNvPr id="14" name="Curved Connector 13">
-            <a:extLst>
-              <a:ext uri="{FF2B5EF4-FFF2-40B4-BE49-F238E27FC236}">
-                <a16:creationId xmlns:a16="http://schemas.microsoft.com/office/drawing/2014/main" id="{C4D1E8E2-47F5-5560-8F86-6CC423C11693}"/>
-              </a:ext>
-            </a:extLst>
-          </p:cNvPr>
-          <p:cNvCxnSpPr>
-            <a:cxnSpLocks/>
-          </p:cNvCxnSpPr>
-          <p:nvPr/>
-        </p:nvCxnSpPr>
-        <p:spPr>
-          <a:xfrm rot="16200000" flipV="1">
-            <a:off x="1968787" y="1701472"/>
-            <a:ext cx="1398739" cy="829551"/>
-          </a:xfrm>
-          <a:prstGeom prst="curvedConnector3">
-            <a:avLst/>
-          </a:prstGeom>
-          <a:ln>
-            <a:solidFill>
-              <a:schemeClr val="bg2"/>
-            </a:solidFill>
-          </a:ln>
-        </p:spPr>
-        <p:style>
-          <a:lnRef idx="2">
-            <a:schemeClr val="accent1"/>
-          </a:lnRef>
-          <a:fillRef idx="0">
-            <a:schemeClr val="accent1"/>
-          </a:fillRef>
-          <a:effectRef idx="1">
-            <a:schemeClr val="accent1"/>
-          </a:effectRef>
-          <a:fontRef idx="minor">
-            <a:schemeClr val="tx1"/>
-          </a:fontRef>
-        </p:style>
-      </p:cxnSp>
-      <p:cxnSp>
-        <p:nvCxnSpPr>
-          <p:cNvPr id="15" name="Curved Connector 14">
-            <a:extLst>
-              <a:ext uri="{FF2B5EF4-FFF2-40B4-BE49-F238E27FC236}">
-                <a16:creationId xmlns:a16="http://schemas.microsoft.com/office/drawing/2014/main" id="{D49739B3-0AF5-5E80-4C0B-0BC200A95DA2}"/>
-              </a:ext>
-            </a:extLst>
-          </p:cNvPr>
-          <p:cNvCxnSpPr>
-            <a:cxnSpLocks/>
-          </p:cNvCxnSpPr>
-          <p:nvPr/>
-        </p:nvCxnSpPr>
-        <p:spPr>
-          <a:xfrm rot="16200000" flipV="1">
-            <a:off x="2425933" y="1485058"/>
-            <a:ext cx="1398739" cy="829551"/>
-          </a:xfrm>
-          <a:prstGeom prst="curvedConnector3">
-            <a:avLst/>
-          </a:prstGeom>
-          <a:ln>
-            <a:solidFill>
-              <a:schemeClr val="bg2"/>
-            </a:solidFill>
-          </a:ln>
-        </p:spPr>
-        <p:style>
-          <a:lnRef idx="2">
-            <a:schemeClr val="accent1"/>
-          </a:lnRef>
-          <a:fillRef idx="0">
-            <a:schemeClr val="accent1"/>
-          </a:fillRef>
-          <a:effectRef idx="1">
-            <a:schemeClr val="accent1"/>
-          </a:effectRef>
-          <a:fontRef idx="minor">
-            <a:schemeClr val="tx1"/>
-          </a:fontRef>
-        </p:style>
-      </p:cxnSp>
-      <p:cxnSp>
-        <p:nvCxnSpPr>
-          <p:cNvPr id="17" name="Curved Connector 16">
-            <a:extLst>
-              <a:ext uri="{FF2B5EF4-FFF2-40B4-BE49-F238E27FC236}">
-                <a16:creationId xmlns:a16="http://schemas.microsoft.com/office/drawing/2014/main" id="{BDD2DCA9-2203-6253-5DE1-81F855AB1681}"/>
-              </a:ext>
-            </a:extLst>
-          </p:cNvPr>
-          <p:cNvCxnSpPr>
-            <a:cxnSpLocks/>
-          </p:cNvCxnSpPr>
-          <p:nvPr/>
-        </p:nvCxnSpPr>
-        <p:spPr>
-          <a:xfrm rot="16200000" flipV="1">
-            <a:off x="1510098" y="1908700"/>
-            <a:ext cx="1398739" cy="829551"/>
-          </a:xfrm>
-          <a:prstGeom prst="curvedConnector3">
-            <a:avLst/>
-          </a:prstGeom>
-          <a:ln>
-            <a:solidFill>
-              <a:schemeClr val="bg2"/>
-            </a:solidFill>
-          </a:ln>
-        </p:spPr>
-        <p:style>
-          <a:lnRef idx="2">
-            <a:schemeClr val="accent1"/>
-          </a:lnRef>
-          <a:fillRef idx="0">
-            <a:schemeClr val="accent1"/>
-          </a:fillRef>
-          <a:effectRef idx="1">
-            <a:schemeClr val="accent1"/>
-          </a:effectRef>
-          <a:fontRef idx="minor">
-            <a:schemeClr val="tx1"/>
-          </a:fontRef>
-        </p:style>
-      </p:cxnSp>
-      <p:cxnSp>
-        <p:nvCxnSpPr>
-          <p:cNvPr id="24" name="Curved Connector 23">
-            <a:extLst>
-              <a:ext uri="{FF2B5EF4-FFF2-40B4-BE49-F238E27FC236}">
-                <a16:creationId xmlns:a16="http://schemas.microsoft.com/office/drawing/2014/main" id="{9583F431-23D9-AF16-CB57-038AE8C5C8FE}"/>
-              </a:ext>
-            </a:extLst>
-          </p:cNvPr>
-          <p:cNvCxnSpPr>
-            <a:cxnSpLocks/>
-          </p:cNvCxnSpPr>
-          <p:nvPr/>
-        </p:nvCxnSpPr>
-        <p:spPr>
-          <a:xfrm rot="16200000" flipV="1">
-            <a:off x="1666892" y="1847614"/>
-            <a:ext cx="1398739" cy="829551"/>
-          </a:xfrm>
-          <a:prstGeom prst="curvedConnector3">
-            <a:avLst/>
-          </a:prstGeom>
-          <a:ln>
-            <a:solidFill>
-              <a:schemeClr val="bg2"/>
-            </a:solidFill>
-          </a:ln>
-        </p:spPr>
-        <p:style>
-          <a:lnRef idx="2">
-            <a:schemeClr val="accent1"/>
-          </a:lnRef>
-          <a:fillRef idx="0">
-            <a:schemeClr val="accent1"/>
-          </a:fillRef>
-          <a:effectRef idx="1">
-            <a:schemeClr val="accent1"/>
-          </a:effectRef>
-          <a:fontRef idx="minor">
-            <a:schemeClr val="tx1"/>
-          </a:fontRef>
-        </p:style>
-      </p:cxnSp>
-      <p:cxnSp>
-        <p:nvCxnSpPr>
-          <p:cNvPr id="26" name="Curved Connector 25">
-            <a:extLst>
-              <a:ext uri="{FF2B5EF4-FFF2-40B4-BE49-F238E27FC236}">
-                <a16:creationId xmlns:a16="http://schemas.microsoft.com/office/drawing/2014/main" id="{9659CA60-2F3A-6CAF-F764-064FFA79E19C}"/>
-              </a:ext>
-            </a:extLst>
-          </p:cNvPr>
-          <p:cNvCxnSpPr>
-            <a:cxnSpLocks/>
-          </p:cNvCxnSpPr>
-          <p:nvPr/>
-        </p:nvCxnSpPr>
-        <p:spPr>
-          <a:xfrm rot="16200000" flipV="1">
-            <a:off x="1342672" y="2015183"/>
-            <a:ext cx="1398739" cy="829551"/>
-          </a:xfrm>
-          <a:prstGeom prst="curvedConnector3">
-            <a:avLst/>
-          </a:prstGeom>
-          <a:ln>
-            <a:solidFill>
-              <a:schemeClr val="bg2"/>
-            </a:solidFill>
-          </a:ln>
-        </p:spPr>
-        <p:style>
-          <a:lnRef idx="2">
-            <a:schemeClr val="accent1"/>
-          </a:lnRef>
-          <a:fillRef idx="0">
-            <a:schemeClr val="accent1"/>
-          </a:fillRef>
-          <a:effectRef idx="1">
-            <a:schemeClr val="accent1"/>
-          </a:effectRef>
-          <a:fontRef idx="minor">
-            <a:schemeClr val="tx1"/>
-          </a:fontRef>
-        </p:style>
-      </p:cxnSp>
-      <p:cxnSp>
-        <p:nvCxnSpPr>
-          <p:cNvPr id="27" name="Curved Connector 26">
-            <a:extLst>
-              <a:ext uri="{FF2B5EF4-FFF2-40B4-BE49-F238E27FC236}">
-                <a16:creationId xmlns:a16="http://schemas.microsoft.com/office/drawing/2014/main" id="{144114E5-3984-5BBA-6B07-B1E88060736C}"/>
-              </a:ext>
-            </a:extLst>
-          </p:cNvPr>
-          <p:cNvCxnSpPr>
-            <a:cxnSpLocks/>
-          </p:cNvCxnSpPr>
-          <p:nvPr/>
-        </p:nvCxnSpPr>
-        <p:spPr>
-          <a:xfrm rot="16200000" flipV="1">
-            <a:off x="1799818" y="1798769"/>
-            <a:ext cx="1398739" cy="829551"/>
-          </a:xfrm>
-          <a:prstGeom prst="curvedConnector3">
-            <a:avLst/>
-          </a:prstGeom>
-          <a:ln>
-            <a:solidFill>
-              <a:schemeClr val="bg2"/>
-            </a:solidFill>
-          </a:ln>
-        </p:spPr>
-        <p:style>
-          <a:lnRef idx="2">
-            <a:schemeClr val="accent1"/>
-          </a:lnRef>
-          <a:fillRef idx="0">
-            <a:schemeClr val="accent1"/>
-          </a:fillRef>
-          <a:effectRef idx="1">
-            <a:schemeClr val="accent1"/>
-          </a:effectRef>
-          <a:fontRef idx="minor">
-            <a:schemeClr val="tx1"/>
-          </a:fontRef>
-        </p:style>
-      </p:cxnSp>
-      <p:sp>
-        <p:nvSpPr>
-          <p:cNvPr id="8" name="Oval 7">
-            <a:extLst>
-              <a:ext uri="{FF2B5EF4-FFF2-40B4-BE49-F238E27FC236}">
-                <a16:creationId xmlns:a16="http://schemas.microsoft.com/office/drawing/2014/main" id="{5FEC8EE2-3A68-9981-55EA-F8EA213F546D}"/>
-              </a:ext>
-            </a:extLst>
-          </p:cNvPr>
-          <p:cNvSpPr/>
-          <p:nvPr/>
-        </p:nvSpPr>
-        <p:spPr>
-          <a:xfrm>
-            <a:off x="3214145" y="1899833"/>
-            <a:ext cx="225778" cy="225778"/>
-          </a:xfrm>
-          <a:prstGeom prst="ellipse">
-            <a:avLst/>
-          </a:prstGeom>
-        </p:spPr>
-        <p:style>
-          <a:lnRef idx="2">
-            <a:schemeClr val="accent1">
-              <a:shade val="15000"/>
-            </a:schemeClr>
-          </a:lnRef>
-          <a:fillRef idx="1">
-            <a:schemeClr val="accent1"/>
-          </a:fillRef>
-          <a:effectRef idx="0">
-            <a:schemeClr val="accent1"/>
-          </a:effectRef>
-          <a:fontRef idx="minor">
-            <a:schemeClr val="lt1"/>
-          </a:fontRef>
-        </p:style>
-        <p:txBody>
-          <a:bodyPr rtlCol="0" anchor="ctr"/>
-          <a:lstStyle/>
-          <a:p>
-            <a:pPr algn="ctr"/>
-            <a:endParaRPr lang="en-US"/>
-          </a:p>
-        </p:txBody>
-      </p:sp>
-      <p:sp>
-        <p:nvSpPr>
-          <p:cNvPr id="6" name="Oval 5">
-            <a:extLst>
-              <a:ext uri="{FF2B5EF4-FFF2-40B4-BE49-F238E27FC236}">
-                <a16:creationId xmlns:a16="http://schemas.microsoft.com/office/drawing/2014/main" id="{7014BCD5-FF45-BF73-9C81-69BB55A4D661}"/>
-              </a:ext>
-            </a:extLst>
-          </p:cNvPr>
-          <p:cNvSpPr/>
-          <p:nvPr/>
-        </p:nvSpPr>
-        <p:spPr>
-          <a:xfrm>
-            <a:off x="1722505" y="2034758"/>
-            <a:ext cx="225778" cy="225778"/>
-          </a:xfrm>
-          <a:prstGeom prst="ellipse">
-            <a:avLst/>
-          </a:prstGeom>
-        </p:spPr>
-        <p:style>
-          <a:lnRef idx="2">
-            <a:schemeClr val="accent1">
-              <a:shade val="15000"/>
-            </a:schemeClr>
-          </a:lnRef>
-          <a:fillRef idx="1">
-            <a:schemeClr val="accent1"/>
-          </a:fillRef>
-          <a:effectRef idx="0">
-            <a:schemeClr val="accent1"/>
-          </a:effectRef>
-          <a:fontRef idx="minor">
-            <a:schemeClr val="lt1"/>
-          </a:fontRef>
-        </p:style>
-        <p:txBody>
-          <a:bodyPr rtlCol="0" anchor="ctr"/>
-          <a:lstStyle/>
-          <a:p>
-            <a:pPr algn="ctr"/>
-            <a:endParaRPr lang="en-US"/>
-          </a:p>
-        </p:txBody>
-      </p:sp>
-      <p:sp>
-        <p:nvSpPr>
-          <p:cNvPr id="7" name="Oval 6">
-            <a:extLst>
-              <a:ext uri="{FF2B5EF4-FFF2-40B4-BE49-F238E27FC236}">
-                <a16:creationId xmlns:a16="http://schemas.microsoft.com/office/drawing/2014/main" id="{F9ADEEE8-F7E9-7A66-9DFA-A96F94494DEF}"/>
-              </a:ext>
-            </a:extLst>
-          </p:cNvPr>
-          <p:cNvSpPr/>
-          <p:nvPr/>
-        </p:nvSpPr>
-        <p:spPr>
-          <a:xfrm>
-            <a:off x="2619972" y="1549335"/>
-            <a:ext cx="225778" cy="225778"/>
-          </a:xfrm>
-          <a:prstGeom prst="ellipse">
-            <a:avLst/>
-          </a:prstGeom>
-        </p:spPr>
-        <p:style>
-          <a:lnRef idx="2">
-            <a:schemeClr val="accent1">
-              <a:shade val="15000"/>
-            </a:schemeClr>
-          </a:lnRef>
-          <a:fillRef idx="1">
-            <a:schemeClr val="accent1"/>
-          </a:fillRef>
-          <a:effectRef idx="0">
-            <a:schemeClr val="accent1"/>
-          </a:effectRef>
-          <a:fontRef idx="minor">
-            <a:schemeClr val="lt1"/>
-          </a:fontRef>
-        </p:style>
-        <p:txBody>
-          <a:bodyPr rtlCol="0" anchor="ctr"/>
-          <a:lstStyle/>
-          <a:p>
-            <a:pPr algn="ctr"/>
-            <a:endParaRPr lang="en-US"/>
-          </a:p>
-        </p:txBody>
-      </p:sp>
-      <p:sp>
-        <p:nvSpPr>
-          <p:cNvPr id="9" name="Oval 8">
-            <a:extLst>
-              <a:ext uri="{FF2B5EF4-FFF2-40B4-BE49-F238E27FC236}">
-                <a16:creationId xmlns:a16="http://schemas.microsoft.com/office/drawing/2014/main" id="{72EA2F34-5545-C852-BD4A-600DF5ED56D9}"/>
-              </a:ext>
-            </a:extLst>
-          </p:cNvPr>
-          <p:cNvSpPr/>
-          <p:nvPr/>
-        </p:nvSpPr>
-        <p:spPr>
-          <a:xfrm>
-            <a:off x="2507083" y="2373425"/>
-            <a:ext cx="225778" cy="225778"/>
-          </a:xfrm>
-          <a:prstGeom prst="ellipse">
-            <a:avLst/>
-          </a:prstGeom>
-        </p:spPr>
-        <p:style>
-          <a:lnRef idx="2">
-            <a:schemeClr val="accent1">
-              <a:shade val="15000"/>
-            </a:schemeClr>
-          </a:lnRef>
-          <a:fillRef idx="1">
-            <a:schemeClr val="accent1"/>
-          </a:fillRef>
-          <a:effectRef idx="0">
-            <a:schemeClr val="accent1"/>
-          </a:effectRef>
-          <a:fontRef idx="minor">
-            <a:schemeClr val="lt1"/>
-          </a:fontRef>
-        </p:style>
-        <p:txBody>
-          <a:bodyPr rtlCol="0" anchor="ctr"/>
-          <a:lstStyle/>
-          <a:p>
-            <a:pPr algn="ctr"/>
-            <a:endParaRPr lang="en-US"/>
-          </a:p>
-        </p:txBody>
-      </p:sp>
-      <p:cxnSp>
-        <p:nvCxnSpPr>
-          <p:cNvPr id="38" name="Straight Arrow Connector 37">
-            <a:extLst>
-              <a:ext uri="{FF2B5EF4-FFF2-40B4-BE49-F238E27FC236}">
-                <a16:creationId xmlns:a16="http://schemas.microsoft.com/office/drawing/2014/main" id="{1BCA61D9-A800-A6A0-BB25-C09292BE01BF}"/>
-              </a:ext>
-            </a:extLst>
-          </p:cNvPr>
-          <p:cNvCxnSpPr>
-            <a:cxnSpLocks/>
-          </p:cNvCxnSpPr>
-          <p:nvPr/>
-        </p:nvCxnSpPr>
-        <p:spPr>
-          <a:xfrm>
-            <a:off x="2267451" y="654449"/>
-            <a:ext cx="0" cy="975822"/>
+          <a:xfrm flipV="1">
+            <a:off x="5470867" y="3500877"/>
+            <a:ext cx="0" cy="777600"/>
           </a:xfrm>
           <a:prstGeom prst="straightConnector1">
             <a:avLst/>
@@ -5165,12 +4207,286 @@
           </a:fontRef>
         </p:style>
       </p:cxnSp>
+      <p:sp>
+        <p:nvSpPr>
+          <p:cNvPr id="3" name="Rounded Rectangle 2">
+            <a:extLst>
+              <a:ext uri="{FF2B5EF4-FFF2-40B4-BE49-F238E27FC236}">
+                <a16:creationId xmlns:a16="http://schemas.microsoft.com/office/drawing/2014/main" id="{5CEA7C30-BF6C-110E-DC76-24F3E53F340C}"/>
+              </a:ext>
+            </a:extLst>
+          </p:cNvPr>
+          <p:cNvSpPr/>
+          <p:nvPr/>
+        </p:nvSpPr>
+        <p:spPr>
+          <a:xfrm>
+            <a:off x="1988055" y="1357253"/>
+            <a:ext cx="1401648" cy="369332"/>
+          </a:xfrm>
+          <a:prstGeom prst="roundRect">
+            <a:avLst/>
+          </a:prstGeom>
+          <a:solidFill>
+            <a:schemeClr val="accent6"/>
+          </a:solidFill>
+          <a:ln>
+            <a:noFill/>
+          </a:ln>
+        </p:spPr>
+        <p:style>
+          <a:lnRef idx="2">
+            <a:schemeClr val="accent1">
+              <a:shade val="15000"/>
+            </a:schemeClr>
+          </a:lnRef>
+          <a:fillRef idx="1">
+            <a:schemeClr val="accent1"/>
+          </a:fillRef>
+          <a:effectRef idx="0">
+            <a:schemeClr val="accent1"/>
+          </a:effectRef>
+          <a:fontRef idx="minor">
+            <a:schemeClr val="lt1"/>
+          </a:fontRef>
+        </p:style>
+        <p:txBody>
+          <a:bodyPr rtlCol="0" anchor="ctr"/>
+          <a:lstStyle/>
+          <a:p>
+            <a:pPr algn="ctr"/>
+            <a:r>
+              <a:rPr lang="en-US" dirty="0"/>
+              <a:t>1. Encode</a:t>
+            </a:r>
+          </a:p>
+        </p:txBody>
+      </p:sp>
+      <p:sp>
+        <p:nvSpPr>
+          <p:cNvPr id="10" name="Rounded Rectangle 9">
+            <a:extLst>
+              <a:ext uri="{FF2B5EF4-FFF2-40B4-BE49-F238E27FC236}">
+                <a16:creationId xmlns:a16="http://schemas.microsoft.com/office/drawing/2014/main" id="{A9CBB3B6-DD96-862C-85D1-E4E01DD2CA08}"/>
+              </a:ext>
+            </a:extLst>
+          </p:cNvPr>
+          <p:cNvSpPr/>
+          <p:nvPr/>
+        </p:nvSpPr>
+        <p:spPr>
+          <a:xfrm>
+            <a:off x="1975064" y="4007114"/>
+            <a:ext cx="1401648" cy="369332"/>
+          </a:xfrm>
+          <a:prstGeom prst="roundRect">
+            <a:avLst/>
+          </a:prstGeom>
+          <a:solidFill>
+            <a:schemeClr val="accent6"/>
+          </a:solidFill>
+          <a:ln>
+            <a:noFill/>
+          </a:ln>
+        </p:spPr>
+        <p:style>
+          <a:lnRef idx="2">
+            <a:schemeClr val="accent1">
+              <a:shade val="15000"/>
+            </a:schemeClr>
+          </a:lnRef>
+          <a:fillRef idx="1">
+            <a:schemeClr val="accent1"/>
+          </a:fillRef>
+          <a:effectRef idx="0">
+            <a:schemeClr val="accent1"/>
+          </a:effectRef>
+          <a:fontRef idx="minor">
+            <a:schemeClr val="lt1"/>
+          </a:fontRef>
+        </p:style>
+        <p:txBody>
+          <a:bodyPr rtlCol="0" anchor="ctr"/>
+          <a:lstStyle/>
+          <a:p>
+            <a:pPr algn="ctr"/>
+            <a:r>
+              <a:rPr lang="en-US" dirty="0"/>
+              <a:t>2. Measure</a:t>
+            </a:r>
+          </a:p>
+        </p:txBody>
+      </p:sp>
+      <p:sp>
+        <p:nvSpPr>
+          <p:cNvPr id="18" name="Rounded Rectangle 17">
+            <a:extLst>
+              <a:ext uri="{FF2B5EF4-FFF2-40B4-BE49-F238E27FC236}">
+                <a16:creationId xmlns:a16="http://schemas.microsoft.com/office/drawing/2014/main" id="{6DFD8B9B-8AF2-1950-219F-8B372232FEA3}"/>
+              </a:ext>
+            </a:extLst>
+          </p:cNvPr>
+          <p:cNvSpPr/>
+          <p:nvPr/>
+        </p:nvSpPr>
+        <p:spPr>
+          <a:xfrm>
+            <a:off x="3503277" y="4334186"/>
+            <a:ext cx="991190" cy="369332"/>
+          </a:xfrm>
+          <a:prstGeom prst="roundRect">
+            <a:avLst/>
+          </a:prstGeom>
+          <a:solidFill>
+            <a:schemeClr val="accent6"/>
+          </a:solidFill>
+          <a:ln>
+            <a:noFill/>
+          </a:ln>
+        </p:spPr>
+        <p:style>
+          <a:lnRef idx="2">
+            <a:schemeClr val="accent1">
+              <a:shade val="15000"/>
+            </a:schemeClr>
+          </a:lnRef>
+          <a:fillRef idx="1">
+            <a:schemeClr val="accent1"/>
+          </a:fillRef>
+          <a:effectRef idx="0">
+            <a:schemeClr val="accent1"/>
+          </a:effectRef>
+          <a:fontRef idx="minor">
+            <a:schemeClr val="lt1"/>
+          </a:fontRef>
+        </p:style>
+        <p:txBody>
+          <a:bodyPr rtlCol="0" anchor="ctr"/>
+          <a:lstStyle/>
+          <a:p>
+            <a:pPr algn="ctr"/>
+            <a:r>
+              <a:rPr lang="en-US" dirty="0"/>
+              <a:t>3. Train</a:t>
+            </a:r>
+          </a:p>
+        </p:txBody>
+      </p:sp>
+      <p:sp>
+        <p:nvSpPr>
+          <p:cNvPr id="20" name="Rounded Rectangle 19">
+            <a:extLst>
+              <a:ext uri="{FF2B5EF4-FFF2-40B4-BE49-F238E27FC236}">
+                <a16:creationId xmlns:a16="http://schemas.microsoft.com/office/drawing/2014/main" id="{E287287A-F32A-6EFD-CFFC-089043FC11B5}"/>
+              </a:ext>
+            </a:extLst>
+          </p:cNvPr>
+          <p:cNvSpPr/>
+          <p:nvPr/>
+        </p:nvSpPr>
+        <p:spPr>
+          <a:xfrm>
+            <a:off x="5690846" y="3829314"/>
+            <a:ext cx="1401648" cy="369332"/>
+          </a:xfrm>
+          <a:prstGeom prst="roundRect">
+            <a:avLst/>
+          </a:prstGeom>
+          <a:solidFill>
+            <a:schemeClr val="accent6"/>
+          </a:solidFill>
+          <a:ln>
+            <a:noFill/>
+          </a:ln>
+        </p:spPr>
+        <p:style>
+          <a:lnRef idx="2">
+            <a:schemeClr val="accent1">
+              <a:shade val="15000"/>
+            </a:schemeClr>
+          </a:lnRef>
+          <a:fillRef idx="1">
+            <a:schemeClr val="accent1"/>
+          </a:fillRef>
+          <a:effectRef idx="0">
+            <a:schemeClr val="accent1"/>
+          </a:effectRef>
+          <a:fontRef idx="minor">
+            <a:schemeClr val="lt1"/>
+          </a:fontRef>
+        </p:style>
+        <p:txBody>
+          <a:bodyPr rtlCol="0" anchor="ctr"/>
+          <a:lstStyle/>
+          <a:p>
+            <a:pPr algn="ctr"/>
+            <a:r>
+              <a:rPr lang="en-US" dirty="0"/>
+              <a:t>4. Predict</a:t>
+            </a:r>
+          </a:p>
+        </p:txBody>
+      </p:sp>
+      <p:sp>
+        <p:nvSpPr>
+          <p:cNvPr id="78" name="Rectangle 77">
+            <a:extLst>
+              <a:ext uri="{FF2B5EF4-FFF2-40B4-BE49-F238E27FC236}">
+                <a16:creationId xmlns:a16="http://schemas.microsoft.com/office/drawing/2014/main" id="{C4684917-33FE-DF3C-3CCB-3DB6CE34C334}"/>
+              </a:ext>
+            </a:extLst>
+          </p:cNvPr>
+          <p:cNvSpPr/>
+          <p:nvPr/>
+        </p:nvSpPr>
+        <p:spPr>
+          <a:xfrm>
+            <a:off x="1174696" y="2093402"/>
+            <a:ext cx="1764557" cy="1604225"/>
+          </a:xfrm>
+          <a:prstGeom prst="rect">
+            <a:avLst/>
+          </a:prstGeom>
+          <a:pattFill prst="pct5">
+            <a:fgClr>
+              <a:schemeClr val="accent1"/>
+            </a:fgClr>
+            <a:bgClr>
+              <a:schemeClr val="bg1"/>
+            </a:bgClr>
+          </a:pattFill>
+        </p:spPr>
+        <p:style>
+          <a:lnRef idx="2">
+            <a:schemeClr val="accent1">
+              <a:shade val="15000"/>
+            </a:schemeClr>
+          </a:lnRef>
+          <a:fillRef idx="1">
+            <a:schemeClr val="accent1"/>
+          </a:fillRef>
+          <a:effectRef idx="0">
+            <a:schemeClr val="accent1"/>
+          </a:effectRef>
+          <a:fontRef idx="minor">
+            <a:schemeClr val="lt1"/>
+          </a:fontRef>
+        </p:style>
+        <p:txBody>
+          <a:bodyPr rtlCol="0" anchor="ctr"/>
+          <a:lstStyle/>
+          <a:p>
+            <a:pPr algn="ctr"/>
+            <a:endParaRPr lang="en-US"/>
+          </a:p>
+        </p:txBody>
+      </p:sp>
       <p:cxnSp>
         <p:nvCxnSpPr>
-          <p:cNvPr id="28" name="Straight Arrow Connector 27">
+          <p:cNvPr id="38" name="Straight Arrow Connector 37">
             <a:extLst>
               <a:ext uri="{FF2B5EF4-FFF2-40B4-BE49-F238E27FC236}">
-                <a16:creationId xmlns:a16="http://schemas.microsoft.com/office/drawing/2014/main" id="{A1E99053-D334-1759-1C17-7911BCBA0EB3}"/>
+                <a16:creationId xmlns:a16="http://schemas.microsoft.com/office/drawing/2014/main" id="{1BCA61D9-A800-A6A0-BB25-C09292BE01BF}"/>
               </a:ext>
             </a:extLst>
           </p:cNvPr>
@@ -5181,8 +4497,8 @@
         </p:nvCxnSpPr>
         <p:spPr>
           <a:xfrm>
-            <a:off x="2267451" y="2907391"/>
-            <a:ext cx="0" cy="975822"/>
+            <a:off x="1752307" y="1189144"/>
+            <a:ext cx="0" cy="777250"/>
           </a:xfrm>
           <a:prstGeom prst="straightConnector1">
             <a:avLst/>
@@ -5211,118 +4527,218 @@
       </p:cxnSp>
       <p:sp>
         <p:nvSpPr>
-          <p:cNvPr id="29" name="TextBox 28">
+          <p:cNvPr id="79" name="Oval 78">
             <a:extLst>
               <a:ext uri="{FF2B5EF4-FFF2-40B4-BE49-F238E27FC236}">
-                <a16:creationId xmlns:a16="http://schemas.microsoft.com/office/drawing/2014/main" id="{2291C61B-9802-30C9-698D-06091F91A9D6}"/>
+                <a16:creationId xmlns:a16="http://schemas.microsoft.com/office/drawing/2014/main" id="{7E1AB3CB-D9BB-C29C-543E-81619BC21C2C}"/>
               </a:ext>
             </a:extLst>
           </p:cNvPr>
-          <p:cNvSpPr txBox="1"/>
+          <p:cNvSpPr/>
           <p:nvPr/>
         </p:nvSpPr>
         <p:spPr>
           <a:xfrm>
-            <a:off x="2317954" y="3128196"/>
-            <a:ext cx="1116120" cy="369332"/>
+            <a:off x="2136299" y="2379786"/>
+            <a:ext cx="234000" cy="234000"/>
+          </a:xfrm>
+          <a:prstGeom prst="ellipse">
+            <a:avLst/>
+          </a:prstGeom>
+        </p:spPr>
+        <p:style>
+          <a:lnRef idx="2">
+            <a:schemeClr val="accent1">
+              <a:shade val="15000"/>
+            </a:schemeClr>
+          </a:lnRef>
+          <a:fillRef idx="1">
+            <a:schemeClr val="accent1"/>
+          </a:fillRef>
+          <a:effectRef idx="0">
+            <a:schemeClr val="accent1"/>
+          </a:effectRef>
+          <a:fontRef idx="minor">
+            <a:schemeClr val="lt1"/>
+          </a:fontRef>
+        </p:style>
+        <p:txBody>
+          <a:bodyPr rtlCol="0" anchor="ctr"/>
+          <a:lstStyle/>
+          <a:p>
+            <a:pPr algn="ctr"/>
+            <a:endParaRPr lang="en-US" dirty="0"/>
+          </a:p>
+        </p:txBody>
+      </p:sp>
+      <p:sp>
+        <p:nvSpPr>
+          <p:cNvPr id="80" name="Oval 79">
+            <a:extLst>
+              <a:ext uri="{FF2B5EF4-FFF2-40B4-BE49-F238E27FC236}">
+                <a16:creationId xmlns:a16="http://schemas.microsoft.com/office/drawing/2014/main" id="{A537E1AA-E432-4F42-89BC-158C3CA201E7}"/>
+              </a:ext>
+            </a:extLst>
+          </p:cNvPr>
+          <p:cNvSpPr/>
+          <p:nvPr/>
+        </p:nvSpPr>
+        <p:spPr>
+          <a:xfrm>
+            <a:off x="1529599" y="2484173"/>
+            <a:ext cx="234000" cy="234000"/>
+          </a:xfrm>
+          <a:prstGeom prst="ellipse">
+            <a:avLst/>
+          </a:prstGeom>
+        </p:spPr>
+        <p:style>
+          <a:lnRef idx="2">
+            <a:schemeClr val="accent1">
+              <a:shade val="15000"/>
+            </a:schemeClr>
+          </a:lnRef>
+          <a:fillRef idx="1">
+            <a:schemeClr val="accent1"/>
+          </a:fillRef>
+          <a:effectRef idx="0">
+            <a:schemeClr val="accent1"/>
+          </a:effectRef>
+          <a:fontRef idx="minor">
+            <a:schemeClr val="lt1"/>
+          </a:fontRef>
+        </p:style>
+        <p:txBody>
+          <a:bodyPr rtlCol="0" anchor="ctr"/>
+          <a:lstStyle/>
+          <a:p>
+            <a:pPr algn="ctr"/>
+            <a:endParaRPr lang="en-US" dirty="0"/>
+          </a:p>
+        </p:txBody>
+      </p:sp>
+      <p:sp>
+        <p:nvSpPr>
+          <p:cNvPr id="81" name="Oval 80">
+            <a:extLst>
+              <a:ext uri="{FF2B5EF4-FFF2-40B4-BE49-F238E27FC236}">
+                <a16:creationId xmlns:a16="http://schemas.microsoft.com/office/drawing/2014/main" id="{961603FC-F506-138B-C209-8439FC73E221}"/>
+              </a:ext>
+            </a:extLst>
+          </p:cNvPr>
+          <p:cNvSpPr/>
+          <p:nvPr/>
+        </p:nvSpPr>
+        <p:spPr>
+          <a:xfrm>
+            <a:off x="1551873" y="3009816"/>
+            <a:ext cx="234000" cy="234000"/>
+          </a:xfrm>
+          <a:prstGeom prst="ellipse">
+            <a:avLst/>
+          </a:prstGeom>
+        </p:spPr>
+        <p:style>
+          <a:lnRef idx="2">
+            <a:schemeClr val="accent1">
+              <a:shade val="15000"/>
+            </a:schemeClr>
+          </a:lnRef>
+          <a:fillRef idx="1">
+            <a:schemeClr val="accent1"/>
+          </a:fillRef>
+          <a:effectRef idx="0">
+            <a:schemeClr val="accent1"/>
+          </a:effectRef>
+          <a:fontRef idx="minor">
+            <a:schemeClr val="lt1"/>
+          </a:fontRef>
+        </p:style>
+        <p:txBody>
+          <a:bodyPr rtlCol="0" anchor="ctr"/>
+          <a:lstStyle/>
+          <a:p>
+            <a:pPr algn="ctr"/>
+            <a:endParaRPr lang="en-US" dirty="0"/>
+          </a:p>
+        </p:txBody>
+      </p:sp>
+      <p:sp>
+        <p:nvSpPr>
+          <p:cNvPr id="82" name="Oval 81">
+            <a:extLst>
+              <a:ext uri="{FF2B5EF4-FFF2-40B4-BE49-F238E27FC236}">
+                <a16:creationId xmlns:a16="http://schemas.microsoft.com/office/drawing/2014/main" id="{1E620E15-E785-7FF0-CAC9-D9D59C600E1A}"/>
+              </a:ext>
+            </a:extLst>
+          </p:cNvPr>
+          <p:cNvSpPr/>
+          <p:nvPr/>
+        </p:nvSpPr>
+        <p:spPr>
+          <a:xfrm>
+            <a:off x="2342434" y="3197205"/>
+            <a:ext cx="234000" cy="234000"/>
+          </a:xfrm>
+          <a:prstGeom prst="ellipse">
+            <a:avLst/>
+          </a:prstGeom>
+        </p:spPr>
+        <p:style>
+          <a:lnRef idx="2">
+            <a:schemeClr val="accent1">
+              <a:shade val="15000"/>
+            </a:schemeClr>
+          </a:lnRef>
+          <a:fillRef idx="1">
+            <a:schemeClr val="accent1"/>
+          </a:fillRef>
+          <a:effectRef idx="0">
+            <a:schemeClr val="accent1"/>
+          </a:effectRef>
+          <a:fontRef idx="minor">
+            <a:schemeClr val="lt1"/>
+          </a:fontRef>
+        </p:style>
+        <p:txBody>
+          <a:bodyPr rtlCol="0" anchor="ctr"/>
+          <a:lstStyle/>
+          <a:p>
+            <a:pPr algn="ctr"/>
+            <a:endParaRPr lang="en-US" dirty="0"/>
+          </a:p>
+        </p:txBody>
+      </p:sp>
+      <p:pic>
+        <p:nvPicPr>
+          <p:cNvPr id="95" name="Picture 94" descr="A chart with different colored squares&#10;&#10;AI-generated content may be incorrect.">
+            <a:extLst>
+              <a:ext uri="{FF2B5EF4-FFF2-40B4-BE49-F238E27FC236}">
+                <a16:creationId xmlns:a16="http://schemas.microsoft.com/office/drawing/2014/main" id="{47198F4C-9656-F5D8-970B-96E3DE51CBB6}"/>
+              </a:ext>
+            </a:extLst>
+          </p:cNvPr>
+          <p:cNvPicPr>
+            <a:picLocks noChangeAspect="1"/>
+          </p:cNvPicPr>
+          <p:nvPr/>
+        </p:nvPicPr>
+        <p:blipFill>
+          <a:blip r:embed="rId3"/>
+          <a:stretch>
+            <a:fillRect/>
+          </a:stretch>
+        </p:blipFill>
+        <p:spPr>
+          <a:xfrm>
+            <a:off x="4309750" y="1097159"/>
+            <a:ext cx="2283155" cy="2343414"/>
           </a:xfrm>
           <a:prstGeom prst="rect">
             <a:avLst/>
           </a:prstGeom>
-          <a:noFill/>
         </p:spPr>
-        <p:txBody>
-          <a:bodyPr wrap="square" rtlCol="0">
-            <a:spAutoFit/>
-          </a:bodyPr>
-          <a:lstStyle/>
-          <a:p>
-            <a:r>
-              <a:rPr lang="en-US" dirty="0"/>
-              <a:t>Measure</a:t>
-            </a:r>
-          </a:p>
-        </p:txBody>
-      </p:sp>
-      <p:cxnSp>
-        <p:nvCxnSpPr>
-          <p:cNvPr id="31" name="Straight Arrow Connector 30">
-            <a:extLst>
-              <a:ext uri="{FF2B5EF4-FFF2-40B4-BE49-F238E27FC236}">
-                <a16:creationId xmlns:a16="http://schemas.microsoft.com/office/drawing/2014/main" id="{0369FDBC-258B-94E4-4F33-2177467D490E}"/>
-              </a:ext>
-            </a:extLst>
-          </p:cNvPr>
-          <p:cNvCxnSpPr>
-            <a:cxnSpLocks/>
-          </p:cNvCxnSpPr>
-          <p:nvPr/>
-        </p:nvCxnSpPr>
-        <p:spPr>
-          <a:xfrm flipV="1">
-            <a:off x="5986011" y="2741332"/>
-            <a:ext cx="0" cy="1050027"/>
-          </a:xfrm>
-          <a:prstGeom prst="straightConnector1">
-            <a:avLst/>
-          </a:prstGeom>
-          <a:ln w="76200">
-            <a:solidFill>
-              <a:schemeClr val="accent6"/>
-            </a:solidFill>
-            <a:tailEnd type="triangle"/>
-          </a:ln>
-        </p:spPr>
-        <p:style>
-          <a:lnRef idx="2">
-            <a:schemeClr val="accent1"/>
-          </a:lnRef>
-          <a:fillRef idx="0">
-            <a:schemeClr val="accent1"/>
-          </a:fillRef>
-          <a:effectRef idx="1">
-            <a:schemeClr val="accent1"/>
-          </a:effectRef>
-          <a:fontRef idx="minor">
-            <a:schemeClr val="tx1"/>
-          </a:fontRef>
-        </p:style>
-      </p:cxnSp>
-      <p:sp>
-        <p:nvSpPr>
-          <p:cNvPr id="39" name="TextBox 38">
-            <a:extLst>
-              <a:ext uri="{FF2B5EF4-FFF2-40B4-BE49-F238E27FC236}">
-                <a16:creationId xmlns:a16="http://schemas.microsoft.com/office/drawing/2014/main" id="{CF429B21-79B5-4181-4956-B3880EA1111D}"/>
-              </a:ext>
-            </a:extLst>
-          </p:cNvPr>
-          <p:cNvSpPr txBox="1"/>
-          <p:nvPr/>
-        </p:nvSpPr>
-        <p:spPr>
-          <a:xfrm>
-            <a:off x="6095998" y="3081679"/>
-            <a:ext cx="6096000" cy="369332"/>
-          </a:xfrm>
-          <a:prstGeom prst="rect">
-            <a:avLst/>
-          </a:prstGeom>
-          <a:noFill/>
-        </p:spPr>
-        <p:txBody>
-          <a:bodyPr wrap="square">
-            <a:spAutoFit/>
-          </a:bodyPr>
-          <a:lstStyle/>
-          <a:p>
-            <a:r>
-              <a:rPr lang="en-US" dirty="0"/>
-              <a:t>Predict</a:t>
-            </a:r>
-          </a:p>
-        </p:txBody>
-      </p:sp>
+      </p:pic>
     </p:spTree>
     <p:extLst>
       <p:ext uri="{BB962C8B-B14F-4D97-AF65-F5344CB8AC3E}">
@@ -5339,7 +4755,7 @@
 <file path=ppt/theme/theme1.xml><?xml version="1.0" encoding="utf-8"?>
 <a:theme xmlns:a="http://schemas.openxmlformats.org/drawingml/2006/main" name="Office Theme">
   <a:themeElements>
-    <a:clrScheme name="Office">
+    <a:clrScheme name="Office Theme">
       <a:dk1>
         <a:sysClr val="windowText" lastClr="000000"/>
       </a:dk1>
@@ -5377,7 +4793,7 @@
         <a:srgbClr val="96607D"/>
       </a:folHlink>
     </a:clrScheme>
-    <a:fontScheme name="Office">
+    <a:fontScheme name="Office Theme">
       <a:majorFont>
         <a:latin typeface="Aptos Display" panose="02110004020202020204"/>
         <a:ea typeface=""/>
@@ -5483,7 +4899,7 @@
         <a:font script="Tfng" typeface="Ebrima"/>
       </a:minorFont>
     </a:fontScheme>
-    <a:fmtScheme name="Office">
+    <a:fmtScheme name="Office Theme">
       <a:fillStyleLst>
         <a:solidFill>
           <a:schemeClr val="phClr"/>
